--- a/collateral/Team 55 Sprint 6.pptx
+++ b/collateral/Team 55 Sprint 6.pptx
@@ -6,18 +6,19 @@
     <p:sldMasterId id="2147483680" r:id="rId2"/>
   </p:sldMasterIdLst>
   <p:notesMasterIdLst>
-    <p:notesMasterId r:id="rId12"/>
+    <p:notesMasterId r:id="rId13"/>
   </p:notesMasterIdLst>
   <p:sldIdLst>
     <p:sldId id="265" r:id="rId3"/>
     <p:sldId id="273" r:id="rId4"/>
     <p:sldId id="271" r:id="rId5"/>
     <p:sldId id="263" r:id="rId6"/>
-    <p:sldId id="281" r:id="rId7"/>
-    <p:sldId id="276" r:id="rId8"/>
-    <p:sldId id="282" r:id="rId9"/>
-    <p:sldId id="270" r:id="rId10"/>
-    <p:sldId id="280" r:id="rId11"/>
+    <p:sldId id="283" r:id="rId7"/>
+    <p:sldId id="281" r:id="rId8"/>
+    <p:sldId id="276" r:id="rId9"/>
+    <p:sldId id="282" r:id="rId10"/>
+    <p:sldId id="270" r:id="rId11"/>
+    <p:sldId id="280" r:id="rId12"/>
   </p:sldIdLst>
   <p:sldSz cx="9144000" cy="6858000" type="screen4x3"/>
   <p:notesSz cx="6858000" cy="9144000"/>
@@ -726,7 +727,7 @@
     </p:spTree>
     <p:extLst>
       <p:ext uri="{BB962C8B-B14F-4D97-AF65-F5344CB8AC3E}">
-        <p14:creationId xmlns:p14="http://schemas.microsoft.com/office/powerpoint/2010/main" val="983410050"/>
+        <p14:creationId xmlns:p14="http://schemas.microsoft.com/office/powerpoint/2010/main" val="3659220441"/>
       </p:ext>
     </p:extLst>
   </p:cSld>
@@ -810,7 +811,7 @@
     </p:spTree>
     <p:extLst>
       <p:ext uri="{BB962C8B-B14F-4D97-AF65-F5344CB8AC3E}">
-        <p14:creationId xmlns:p14="http://schemas.microsoft.com/office/powerpoint/2010/main" val="1121829227"/>
+        <p14:creationId xmlns:p14="http://schemas.microsoft.com/office/powerpoint/2010/main" val="983410050"/>
       </p:ext>
     </p:extLst>
   </p:cSld>
@@ -894,7 +895,7 @@
     </p:spTree>
     <p:extLst>
       <p:ext uri="{BB962C8B-B14F-4D97-AF65-F5344CB8AC3E}">
-        <p14:creationId xmlns:p14="http://schemas.microsoft.com/office/powerpoint/2010/main" val="2696602961"/>
+        <p14:creationId xmlns:p14="http://schemas.microsoft.com/office/powerpoint/2010/main" val="1121829227"/>
       </p:ext>
     </p:extLst>
   </p:cSld>
@@ -978,7 +979,7 @@
     </p:spTree>
     <p:extLst>
       <p:ext uri="{BB962C8B-B14F-4D97-AF65-F5344CB8AC3E}">
-        <p14:creationId xmlns:p14="http://schemas.microsoft.com/office/powerpoint/2010/main" val="2287712303"/>
+        <p14:creationId xmlns:p14="http://schemas.microsoft.com/office/powerpoint/2010/main" val="2696602961"/>
       </p:ext>
     </p:extLst>
   </p:cSld>
@@ -1054,6 +1055,90 @@
             <a:fld id="{58C53205-88F7-494A-B204-E8144581CAEF}" type="slidenum">
               <a:rPr lang="en-US" smtClean="0"/>
               <a:t>9</a:t>
+            </a:fld>
+            <a:endParaRPr lang="en-US"/>
+          </a:p>
+        </p:txBody>
+      </p:sp>
+    </p:spTree>
+    <p:extLst>
+      <p:ext uri="{BB962C8B-B14F-4D97-AF65-F5344CB8AC3E}">
+        <p14:creationId xmlns:p14="http://schemas.microsoft.com/office/powerpoint/2010/main" val="2287712303"/>
+      </p:ext>
+    </p:extLst>
+  </p:cSld>
+  <p:clrMapOvr>
+    <a:masterClrMapping/>
+  </p:clrMapOvr>
+</p:notes>
+</file>
+
+<file path=ppt/notesSlides/notesSlide8.xml><?xml version="1.0" encoding="utf-8"?>
+<p:notes xmlns:a="http://schemas.openxmlformats.org/drawingml/2006/main" xmlns:r="http://schemas.openxmlformats.org/officeDocument/2006/relationships" xmlns:p="http://schemas.openxmlformats.org/presentationml/2006/main">
+  <p:cSld>
+    <p:spTree>
+      <p:nvGrpSpPr>
+        <p:cNvPr id="1" name=""/>
+        <p:cNvGrpSpPr/>
+        <p:nvPr/>
+      </p:nvGrpSpPr>
+      <p:grpSpPr>
+        <a:xfrm>
+          <a:off x="0" y="0"/>
+          <a:ext cx="0" cy="0"/>
+          <a:chOff x="0" y="0"/>
+          <a:chExt cx="0" cy="0"/>
+        </a:xfrm>
+      </p:grpSpPr>
+      <p:sp>
+        <p:nvSpPr>
+          <p:cNvPr id="2" name="Slide Image Placeholder 1"/>
+          <p:cNvSpPr>
+            <a:spLocks noGrp="1" noRot="1" noChangeAspect="1"/>
+          </p:cNvSpPr>
+          <p:nvPr>
+            <p:ph type="sldImg"/>
+          </p:nvPr>
+        </p:nvSpPr>
+        <p:spPr/>
+      </p:sp>
+      <p:sp>
+        <p:nvSpPr>
+          <p:cNvPr id="3" name="Notes Placeholder 2"/>
+          <p:cNvSpPr>
+            <a:spLocks noGrp="1"/>
+          </p:cNvSpPr>
+          <p:nvPr>
+            <p:ph type="body" idx="1"/>
+          </p:nvPr>
+        </p:nvSpPr>
+        <p:spPr/>
+        <p:txBody>
+          <a:bodyPr/>
+          <a:lstStyle/>
+          <a:p>
+            <a:endParaRPr lang="en-US" dirty="0"/>
+          </a:p>
+        </p:txBody>
+      </p:sp>
+      <p:sp>
+        <p:nvSpPr>
+          <p:cNvPr id="4" name="Slide Number Placeholder 3"/>
+          <p:cNvSpPr>
+            <a:spLocks noGrp="1"/>
+          </p:cNvSpPr>
+          <p:nvPr>
+            <p:ph type="sldNum" sz="quarter" idx="5"/>
+          </p:nvPr>
+        </p:nvSpPr>
+        <p:spPr/>
+        <p:txBody>
+          <a:bodyPr/>
+          <a:lstStyle/>
+          <a:p>
+            <a:fld id="{58C53205-88F7-494A-B204-E8144581CAEF}" type="slidenum">
+              <a:rPr lang="en-US" smtClean="0"/>
+              <a:t>10</a:t>
             </a:fld>
             <a:endParaRPr lang="en-US"/>
           </a:p>
@@ -4727,7 +4812,7 @@
 </p:sld>
 </file>
 
-<file path=ppt/slides/slide2.xml><?xml version="1.0" encoding="utf-8"?>
+<file path=ppt/slides/slide10.xml><?xml version="1.0" encoding="utf-8"?>
 <p:sld xmlns:a="http://schemas.openxmlformats.org/drawingml/2006/main" xmlns:r="http://schemas.openxmlformats.org/officeDocument/2006/relationships" xmlns:p="http://schemas.openxmlformats.org/presentationml/2006/main">
   <p:cSld>
     <p:spTree>
@@ -4746,256 +4831,58 @@
       </p:grpSpPr>
       <p:sp>
         <p:nvSpPr>
-          <p:cNvPr id="2" name="Title 1">
-            <a:extLst>
-              <a:ext uri="{FF2B5EF4-FFF2-40B4-BE49-F238E27FC236}">
-                <a16:creationId xmlns:a16="http://schemas.microsoft.com/office/drawing/2014/main" id="{64EEBB33-D2D8-2E4B-91AC-5E9981251D09}"/>
-              </a:ext>
-            </a:extLst>
-          </p:cNvPr>
+          <p:cNvPr id="6" name="Date Placeholder 5"/>
+          <p:cNvSpPr>
+            <a:spLocks noGrp="1"/>
+          </p:cNvSpPr>
+          <p:nvPr>
+            <p:ph type="dt" sz="half" idx="10"/>
+          </p:nvPr>
+        </p:nvSpPr>
+        <p:spPr/>
+        <p:txBody>
+          <a:bodyPr/>
+          <a:lstStyle/>
+          <a:p>
+            <a:r>
+              <a:rPr lang="en-US" dirty="0"/>
+              <a:t>11/14/2020</a:t>
+            </a:r>
+          </a:p>
+        </p:txBody>
+      </p:sp>
+      <p:sp>
+        <p:nvSpPr>
+          <p:cNvPr id="5" name="Slide Number Placeholder 4"/>
+          <p:cNvSpPr>
+            <a:spLocks noGrp="1"/>
+          </p:cNvSpPr>
+          <p:nvPr>
+            <p:ph type="sldNum" sz="quarter" idx="12"/>
+          </p:nvPr>
+        </p:nvSpPr>
+        <p:spPr/>
+        <p:txBody>
+          <a:bodyPr/>
+          <a:lstStyle/>
+          <a:p>
+            <a:fld id="{079BB85F-8D7B-4121-93BF-56CC81854BC2}" type="slidenum">
+              <a:rPr lang="en-US" smtClean="0"/>
+              <a:pPr/>
+              <a:t>10</a:t>
+            </a:fld>
+            <a:endParaRPr lang="en-US" dirty="0"/>
+          </a:p>
+        </p:txBody>
+      </p:sp>
+      <p:sp>
+        <p:nvSpPr>
+          <p:cNvPr id="2" name="Title 1"/>
           <p:cNvSpPr>
             <a:spLocks noGrp="1"/>
           </p:cNvSpPr>
           <p:nvPr>
             <p:ph type="title"/>
-          </p:nvPr>
-        </p:nvSpPr>
-        <p:spPr/>
-        <p:txBody>
-          <a:bodyPr/>
-          <a:lstStyle/>
-          <a:p>
-            <a:r>
-              <a:rPr lang="en-US" dirty="0"/>
-              <a:t>Team 55: Personnel</a:t>
-            </a:r>
-          </a:p>
-        </p:txBody>
-      </p:sp>
-      <p:sp>
-        <p:nvSpPr>
-          <p:cNvPr id="3" name="Content Placeholder 2">
-            <a:extLst>
-              <a:ext uri="{FF2B5EF4-FFF2-40B4-BE49-F238E27FC236}">
-                <a16:creationId xmlns:a16="http://schemas.microsoft.com/office/drawing/2014/main" id="{CC19814E-4064-2244-8937-DE2CB9A8BF6B}"/>
-              </a:ext>
-            </a:extLst>
-          </p:cNvPr>
-          <p:cNvSpPr>
-            <a:spLocks noGrp="1"/>
-          </p:cNvSpPr>
-          <p:nvPr>
-            <p:ph sz="half" idx="1"/>
-          </p:nvPr>
-        </p:nvSpPr>
-        <p:spPr/>
-        <p:txBody>
-          <a:bodyPr/>
-          <a:lstStyle/>
-          <a:p>
-            <a:pPr marL="0" indent="0">
-              <a:buNone/>
-            </a:pPr>
-            <a:r>
-              <a:rPr lang="en-US" dirty="0"/>
-              <a:t>Team 55 Members:</a:t>
-            </a:r>
-          </a:p>
-          <a:p>
-            <a:r>
-              <a:rPr lang="en-US" dirty="0"/>
-              <a:t>James Davis</a:t>
-            </a:r>
-          </a:p>
-          <a:p>
-            <a:r>
-              <a:rPr lang="en-US" dirty="0" err="1"/>
-              <a:t>Haolong</a:t>
-            </a:r>
-            <a:r>
-              <a:rPr lang="en-US" dirty="0"/>
-              <a:t> Yan</a:t>
-            </a:r>
-          </a:p>
-          <a:p>
-            <a:r>
-              <a:rPr lang="en-US" dirty="0"/>
-              <a:t>Rahul </a:t>
-            </a:r>
-            <a:r>
-              <a:rPr lang="en-US" dirty="0" err="1"/>
-              <a:t>Nowlakha</a:t>
-            </a:r>
-            <a:endParaRPr lang="en-US" dirty="0"/>
-          </a:p>
-          <a:p>
-            <a:r>
-              <a:rPr lang="en-US" dirty="0"/>
-              <a:t>Joe </a:t>
-            </a:r>
-            <a:r>
-              <a:rPr lang="en-US" dirty="0" err="1"/>
-              <a:t>Kurokawa</a:t>
-            </a:r>
-            <a:endParaRPr lang="en-US" dirty="0"/>
-          </a:p>
-          <a:p>
-            <a:r>
-              <a:rPr lang="en-US" dirty="0"/>
-              <a:t>Traver Clifford</a:t>
-            </a:r>
-          </a:p>
-          <a:p>
-            <a:r>
-              <a:rPr lang="en-US" dirty="0"/>
-              <a:t>Eric </a:t>
-            </a:r>
-            <a:r>
-              <a:rPr lang="en-US" dirty="0" err="1"/>
-              <a:t>Mammoser</a:t>
-            </a:r>
-            <a:endParaRPr lang="en-US" baseline="30000" dirty="0"/>
-          </a:p>
-          <a:p>
-            <a:pPr marL="0" indent="0">
-              <a:buNone/>
-            </a:pPr>
-            <a:endParaRPr lang="en-US" dirty="0"/>
-          </a:p>
-        </p:txBody>
-      </p:sp>
-      <p:sp>
-        <p:nvSpPr>
-          <p:cNvPr id="4" name="Content Placeholder 3">
-            <a:extLst>
-              <a:ext uri="{FF2B5EF4-FFF2-40B4-BE49-F238E27FC236}">
-                <a16:creationId xmlns:a16="http://schemas.microsoft.com/office/drawing/2014/main" id="{ABCF98DE-C1CC-624E-9CB5-306BC288215C}"/>
-              </a:ext>
-            </a:extLst>
-          </p:cNvPr>
-          <p:cNvSpPr>
-            <a:spLocks noGrp="1"/>
-          </p:cNvSpPr>
-          <p:nvPr>
-            <p:ph sz="half" idx="2"/>
-          </p:nvPr>
-        </p:nvSpPr>
-        <p:spPr/>
-        <p:txBody>
-          <a:bodyPr/>
-          <a:lstStyle/>
-          <a:p>
-            <a:pPr marL="0" indent="0">
-              <a:buNone/>
-            </a:pPr>
-            <a:r>
-              <a:rPr lang="en-US" dirty="0"/>
-              <a:t>CDC Mentors:</a:t>
-            </a:r>
-          </a:p>
-          <a:p>
-            <a:r>
-              <a:rPr lang="en-US" dirty="0"/>
-              <a:t>Jill Raudabaugh</a:t>
-            </a:r>
-          </a:p>
-          <a:p>
-            <a:r>
-              <a:rPr lang="en-US" dirty="0"/>
-              <a:t>Breanna Newton</a:t>
-            </a:r>
-          </a:p>
-          <a:p>
-            <a:endParaRPr lang="en-US" dirty="0"/>
-          </a:p>
-          <a:p>
-            <a:pPr marL="0" indent="0">
-              <a:buNone/>
-            </a:pPr>
-            <a:r>
-              <a:rPr lang="en-US" dirty="0"/>
-              <a:t>GT Mentor:</a:t>
-            </a:r>
-          </a:p>
-          <a:p>
-            <a:r>
-              <a:rPr lang="en-US" dirty="0"/>
-              <a:t>Elizabeth Shivers</a:t>
-            </a:r>
-          </a:p>
-        </p:txBody>
-      </p:sp>
-      <p:sp>
-        <p:nvSpPr>
-          <p:cNvPr id="5" name="Date Placeholder 5">
-            <a:extLst>
-              <a:ext uri="{FF2B5EF4-FFF2-40B4-BE49-F238E27FC236}">
-                <a16:creationId xmlns:a16="http://schemas.microsoft.com/office/drawing/2014/main" id="{F1109D1E-F667-0449-BEB2-529D4C2825E6}"/>
-              </a:ext>
-            </a:extLst>
-          </p:cNvPr>
-          <p:cNvSpPr>
-            <a:spLocks noGrp="1"/>
-          </p:cNvSpPr>
-          <p:nvPr>
-            <p:ph type="dt" sz="half" idx="10"/>
-          </p:nvPr>
-        </p:nvSpPr>
-        <p:spPr>
-          <a:xfrm>
-            <a:off x="285750" y="5811838"/>
-            <a:ext cx="2057400" cy="365125"/>
-          </a:xfrm>
-        </p:spPr>
-        <p:txBody>
-          <a:bodyPr/>
-          <a:lstStyle/>
-          <a:p>
-            <a:r>
-              <a:rPr lang="en-US" dirty="0"/>
-              <a:t>11/14/2020</a:t>
-            </a:r>
-          </a:p>
-        </p:txBody>
-      </p:sp>
-    </p:spTree>
-    <p:extLst>
-      <p:ext uri="{BB962C8B-B14F-4D97-AF65-F5344CB8AC3E}">
-        <p14:creationId xmlns:p14="http://schemas.microsoft.com/office/powerpoint/2010/main" val="4033145866"/>
-      </p:ext>
-    </p:extLst>
-  </p:cSld>
-  <p:clrMapOvr>
-    <a:masterClrMapping/>
-  </p:clrMapOvr>
-</p:sld>
-</file>
-
-<file path=ppt/slides/slide3.xml><?xml version="1.0" encoding="utf-8"?>
-<p:sld xmlns:a="http://schemas.openxmlformats.org/drawingml/2006/main" xmlns:r="http://schemas.openxmlformats.org/officeDocument/2006/relationships" xmlns:p="http://schemas.openxmlformats.org/presentationml/2006/main">
-  <p:cSld>
-    <p:spTree>
-      <p:nvGrpSpPr>
-        <p:cNvPr id="1" name=""/>
-        <p:cNvGrpSpPr/>
-        <p:nvPr/>
-      </p:nvGrpSpPr>
-      <p:grpSpPr>
-        <a:xfrm>
-          <a:off x="0" y="0"/>
-          <a:ext cx="0" cy="0"/>
-          <a:chOff x="0" y="0"/>
-          <a:chExt cx="0" cy="0"/>
-        </a:xfrm>
-      </p:grpSpPr>
-      <p:sp>
-        <p:nvSpPr>
-          <p:cNvPr id="3" name="Text Placeholder 2"/>
-          <p:cNvSpPr>
-            <a:spLocks noGrp="1"/>
-          </p:cNvSpPr>
-          <p:nvPr>
-            <p:ph idx="1"/>
           </p:nvPr>
         </p:nvSpPr>
         <p:spPr/>
@@ -5007,223 +4894,7 @@
           <a:p>
             <a:r>
               <a:rPr lang="en-US" dirty="0"/>
-              <a:t>NDJSON Update</a:t>
-            </a:r>
-          </a:p>
-          <a:p>
-            <a:r>
-              <a:rPr lang="en-US" dirty="0"/>
-              <a:t>DB Update</a:t>
-            </a:r>
-          </a:p>
-          <a:p>
-            <a:r>
-              <a:rPr lang="en-US" dirty="0"/>
-              <a:t>QA Update</a:t>
-            </a:r>
-          </a:p>
-          <a:p>
-            <a:r>
-              <a:rPr lang="en-US" dirty="0"/>
-              <a:t>Visualization Update</a:t>
-            </a:r>
-          </a:p>
-          <a:p>
-            <a:r>
-              <a:rPr lang="en-US" dirty="0"/>
-              <a:t>Project Screenshots</a:t>
-            </a:r>
-          </a:p>
-          <a:p>
-            <a:r>
-              <a:rPr lang="en-US" dirty="0"/>
-              <a:t>Project Plan Update</a:t>
-            </a:r>
-          </a:p>
-          <a:p>
-            <a:r>
-              <a:rPr lang="en-US" dirty="0"/>
-              <a:t>Project Plan Details</a:t>
-            </a:r>
-          </a:p>
-          <a:p>
-            <a:r>
-              <a:rPr lang="en-US" dirty="0"/>
-              <a:t>Plans for Upcoming Weeks</a:t>
-            </a:r>
-          </a:p>
-          <a:p>
-            <a:endParaRPr lang="en-US" dirty="0"/>
-          </a:p>
-          <a:p>
-            <a:endParaRPr lang="en-US" dirty="0"/>
-          </a:p>
-        </p:txBody>
-      </p:sp>
-      <p:sp>
-        <p:nvSpPr>
-          <p:cNvPr id="6" name="Date Placeholder 5"/>
-          <p:cNvSpPr>
-            <a:spLocks noGrp="1"/>
-          </p:cNvSpPr>
-          <p:nvPr>
-            <p:ph type="dt" sz="half" idx="10"/>
-          </p:nvPr>
-        </p:nvSpPr>
-        <p:spPr/>
-        <p:txBody>
-          <a:bodyPr/>
-          <a:lstStyle/>
-          <a:p>
-            <a:r>
-              <a:rPr lang="en-US" dirty="0"/>
-              <a:t>11/14/2020</a:t>
-            </a:r>
-          </a:p>
-        </p:txBody>
-      </p:sp>
-      <p:sp>
-        <p:nvSpPr>
-          <p:cNvPr id="5" name="Slide Number Placeholder 4"/>
-          <p:cNvSpPr>
-            <a:spLocks noGrp="1"/>
-          </p:cNvSpPr>
-          <p:nvPr>
-            <p:ph type="sldNum" sz="quarter" idx="12"/>
-          </p:nvPr>
-        </p:nvSpPr>
-        <p:spPr/>
-        <p:txBody>
-          <a:bodyPr/>
-          <a:lstStyle/>
-          <a:p>
-            <a:fld id="{079BB85F-8D7B-4121-93BF-56CC81854BC2}" type="slidenum">
-              <a:rPr lang="en-US" smtClean="0"/>
-              <a:pPr/>
-              <a:t>3</a:t>
-            </a:fld>
-            <a:endParaRPr lang="en-US" dirty="0"/>
-          </a:p>
-        </p:txBody>
-      </p:sp>
-      <p:sp>
-        <p:nvSpPr>
-          <p:cNvPr id="2" name="Title 1"/>
-          <p:cNvSpPr>
-            <a:spLocks noGrp="1"/>
-          </p:cNvSpPr>
-          <p:nvPr>
-            <p:ph type="title"/>
-          </p:nvPr>
-        </p:nvSpPr>
-        <p:spPr/>
-        <p:txBody>
-          <a:bodyPr/>
-          <a:lstStyle/>
-          <a:p>
-            <a:r>
-              <a:rPr lang="en-US" dirty="0"/>
-              <a:t>Agenda</a:t>
-            </a:r>
-          </a:p>
-        </p:txBody>
-      </p:sp>
-    </p:spTree>
-    <p:extLst>
-      <p:ext uri="{BB962C8B-B14F-4D97-AF65-F5344CB8AC3E}">
-        <p14:creationId xmlns:p14="http://schemas.microsoft.com/office/powerpoint/2010/main" val="2959282076"/>
-      </p:ext>
-    </p:extLst>
-  </p:cSld>
-  <p:clrMapOvr>
-    <a:masterClrMapping/>
-  </p:clrMapOvr>
-</p:sld>
-</file>
-
-<file path=ppt/slides/slide4.xml><?xml version="1.0" encoding="utf-8"?>
-<p:sld xmlns:a="http://schemas.openxmlformats.org/drawingml/2006/main" xmlns:r="http://schemas.openxmlformats.org/officeDocument/2006/relationships" xmlns:p="http://schemas.openxmlformats.org/presentationml/2006/main">
-  <p:cSld>
-    <p:spTree>
-      <p:nvGrpSpPr>
-        <p:cNvPr id="1" name=""/>
-        <p:cNvGrpSpPr/>
-        <p:nvPr/>
-      </p:nvGrpSpPr>
-      <p:grpSpPr>
-        <a:xfrm>
-          <a:off x="0" y="0"/>
-          <a:ext cx="0" cy="0"/>
-          <a:chOff x="0" y="0"/>
-          <a:chExt cx="0" cy="0"/>
-        </a:xfrm>
-      </p:grpSpPr>
-      <p:sp>
-        <p:nvSpPr>
-          <p:cNvPr id="6" name="Date Placeholder 5"/>
-          <p:cNvSpPr>
-            <a:spLocks noGrp="1"/>
-          </p:cNvSpPr>
-          <p:nvPr>
-            <p:ph type="dt" sz="half" idx="10"/>
-          </p:nvPr>
-        </p:nvSpPr>
-        <p:spPr/>
-        <p:txBody>
-          <a:bodyPr/>
-          <a:lstStyle/>
-          <a:p>
-            <a:r>
-              <a:rPr lang="en-US" dirty="0"/>
-              <a:t>11/14/2020</a:t>
-            </a:r>
-          </a:p>
-        </p:txBody>
-      </p:sp>
-      <p:sp>
-        <p:nvSpPr>
-          <p:cNvPr id="5" name="Slide Number Placeholder 4"/>
-          <p:cNvSpPr>
-            <a:spLocks noGrp="1"/>
-          </p:cNvSpPr>
-          <p:nvPr>
-            <p:ph type="sldNum" sz="quarter" idx="12"/>
-          </p:nvPr>
-        </p:nvSpPr>
-        <p:spPr/>
-        <p:txBody>
-          <a:bodyPr/>
-          <a:lstStyle/>
-          <a:p>
-            <a:fld id="{079BB85F-8D7B-4121-93BF-56CC81854BC2}" type="slidenum">
-              <a:rPr lang="en-US" smtClean="0"/>
-              <a:pPr/>
-              <a:t>4</a:t>
-            </a:fld>
-            <a:endParaRPr lang="en-US" dirty="0"/>
-          </a:p>
-        </p:txBody>
-      </p:sp>
-      <p:sp>
-        <p:nvSpPr>
-          <p:cNvPr id="2" name="Title 1"/>
-          <p:cNvSpPr>
-            <a:spLocks noGrp="1"/>
-          </p:cNvSpPr>
-          <p:nvPr>
-            <p:ph type="title"/>
-          </p:nvPr>
-        </p:nvSpPr>
-        <p:spPr/>
-        <p:txBody>
-          <a:bodyPr>
-            <a:normAutofit/>
-          </a:bodyPr>
-          <a:lstStyle/>
-          <a:p>
-            <a:r>
-              <a:rPr lang="en-US" dirty="0"/>
-              <a:t>NDJSON</a:t>
+              <a:t>Plans for Future Weeks</a:t>
             </a:r>
           </a:p>
         </p:txBody>
@@ -5251,40 +4922,62 @@
           </a:xfrm>
         </p:spPr>
         <p:txBody>
-          <a:bodyPr/>
-          <a:lstStyle/>
-          <a:p>
-            <a:r>
-              <a:rPr lang="en-US" dirty="0"/>
-              <a:t>Decided to make an update here to improve efficiency:</a:t>
+          <a:bodyPr>
+            <a:normAutofit/>
+          </a:bodyPr>
+          <a:lstStyle/>
+          <a:p>
+            <a:r>
+              <a:rPr lang="en-US" dirty="0"/>
+              <a:t>Add support for observation resource</a:t>
             </a:r>
           </a:p>
           <a:p>
             <a:pPr lvl="1"/>
             <a:r>
               <a:rPr lang="en-US" dirty="0"/>
-              <a:t>Old code did one POST per patient</a:t>
+              <a:t>This is needed for a few fields in the worker table</a:t>
+            </a:r>
+          </a:p>
+          <a:p>
+            <a:r>
+              <a:rPr lang="en-US" dirty="0"/>
+              <a:t>Find more data (either from CDC, FHIR servers, or generated via </a:t>
+            </a:r>
+            <a:r>
+              <a:rPr lang="en-US" dirty="0" err="1"/>
+              <a:t>Synthea</a:t>
+            </a:r>
+            <a:r>
+              <a:rPr lang="en-US" dirty="0"/>
+              <a:t>)</a:t>
             </a:r>
           </a:p>
           <a:p>
             <a:pPr lvl="1"/>
             <a:r>
               <a:rPr lang="en-US" dirty="0"/>
-              <a:t>New code converts patients to bundle and POSTs as one</a:t>
-            </a:r>
-          </a:p>
-          <a:p>
-            <a:pPr marL="0" indent="0">
-              <a:buNone/>
-            </a:pPr>
-            <a:endParaRPr lang="en-US" dirty="0"/>
+              <a:t>This is needed for visualization purposes</a:t>
+            </a:r>
+          </a:p>
+          <a:p>
+            <a:r>
+              <a:rPr lang="en-US" dirty="0"/>
+              <a:t>Continue mapping resource elements to DB fields</a:t>
+            </a:r>
+          </a:p>
+          <a:p>
+            <a:r>
+              <a:rPr lang="en-US" dirty="0"/>
+              <a:t>Look into new SQL create scripts to stand up more tables (stretch goal)</a:t>
+            </a:r>
           </a:p>
         </p:txBody>
       </p:sp>
     </p:spTree>
     <p:extLst>
       <p:ext uri="{BB962C8B-B14F-4D97-AF65-F5344CB8AC3E}">
-        <p14:creationId xmlns:p14="http://schemas.microsoft.com/office/powerpoint/2010/main" val="1346866763"/>
+        <p14:creationId xmlns:p14="http://schemas.microsoft.com/office/powerpoint/2010/main" val="2013383900"/>
       </p:ext>
     </p:extLst>
   </p:cSld>
@@ -5373,15 +5066,33 @@
                                   </p:childTnLst>
                                 </p:cTn>
                               </p:par>
+                            </p:childTnLst>
+                          </p:cTn>
+                        </p:par>
+                      </p:childTnLst>
+                    </p:cTn>
+                  </p:par>
+                  <p:par>
+                    <p:cTn id="9" fill="hold">
+                      <p:stCondLst>
+                        <p:cond delay="indefinite"/>
+                      </p:stCondLst>
+                      <p:childTnLst>
+                        <p:par>
+                          <p:cTn id="10" fill="hold">
+                            <p:stCondLst>
+                              <p:cond delay="0"/>
+                            </p:stCondLst>
+                            <p:childTnLst>
                               <p:par>
-                                <p:cTn id="9" presetID="1" presetClass="entr" presetSubtype="0" fill="hold" grpId="0" nodeType="withEffect">
+                                <p:cTn id="11" presetID="1" presetClass="entr" presetSubtype="0" fill="hold" grpId="0" nodeType="clickEffect">
                                   <p:stCondLst>
                                     <p:cond delay="0"/>
                                   </p:stCondLst>
                                   <p:childTnLst>
                                     <p:set>
                                       <p:cBhvr>
-                                        <p:cTn id="10" dur="1" fill="hold">
+                                        <p:cTn id="12" dur="1" fill="hold">
                                           <p:stCondLst>
                                             <p:cond delay="0"/>
                                           </p:stCondLst>
@@ -5390,6 +5101,773 @@
                                           <p:spTgt spid="8">
                                             <p:txEl>
                                               <p:pRg st="2" end="2"/>
+                                            </p:txEl>
+                                          </p:spTgt>
+                                        </p:tgtEl>
+                                        <p:attrNameLst>
+                                          <p:attrName>style.visibility</p:attrName>
+                                        </p:attrNameLst>
+                                      </p:cBhvr>
+                                      <p:to>
+                                        <p:strVal val="visible"/>
+                                      </p:to>
+                                    </p:set>
+                                  </p:childTnLst>
+                                </p:cTn>
+                              </p:par>
+                              <p:par>
+                                <p:cTn id="13" presetID="1" presetClass="entr" presetSubtype="0" fill="hold" grpId="0" nodeType="withEffect">
+                                  <p:stCondLst>
+                                    <p:cond delay="0"/>
+                                  </p:stCondLst>
+                                  <p:childTnLst>
+                                    <p:set>
+                                      <p:cBhvr>
+                                        <p:cTn id="14" dur="1" fill="hold">
+                                          <p:stCondLst>
+                                            <p:cond delay="0"/>
+                                          </p:stCondLst>
+                                        </p:cTn>
+                                        <p:tgtEl>
+                                          <p:spTgt spid="8">
+                                            <p:txEl>
+                                              <p:pRg st="3" end="3"/>
+                                            </p:txEl>
+                                          </p:spTgt>
+                                        </p:tgtEl>
+                                        <p:attrNameLst>
+                                          <p:attrName>style.visibility</p:attrName>
+                                        </p:attrNameLst>
+                                      </p:cBhvr>
+                                      <p:to>
+                                        <p:strVal val="visible"/>
+                                      </p:to>
+                                    </p:set>
+                                  </p:childTnLst>
+                                </p:cTn>
+                              </p:par>
+                            </p:childTnLst>
+                          </p:cTn>
+                        </p:par>
+                      </p:childTnLst>
+                    </p:cTn>
+                  </p:par>
+                  <p:par>
+                    <p:cTn id="15" fill="hold">
+                      <p:stCondLst>
+                        <p:cond delay="indefinite"/>
+                      </p:stCondLst>
+                      <p:childTnLst>
+                        <p:par>
+                          <p:cTn id="16" fill="hold">
+                            <p:stCondLst>
+                              <p:cond delay="0"/>
+                            </p:stCondLst>
+                            <p:childTnLst>
+                              <p:par>
+                                <p:cTn id="17" presetID="1" presetClass="entr" presetSubtype="0" fill="hold" grpId="0" nodeType="clickEffect">
+                                  <p:stCondLst>
+                                    <p:cond delay="0"/>
+                                  </p:stCondLst>
+                                  <p:childTnLst>
+                                    <p:set>
+                                      <p:cBhvr>
+                                        <p:cTn id="18" dur="1" fill="hold">
+                                          <p:stCondLst>
+                                            <p:cond delay="0"/>
+                                          </p:stCondLst>
+                                        </p:cTn>
+                                        <p:tgtEl>
+                                          <p:spTgt spid="8">
+                                            <p:txEl>
+                                              <p:pRg st="4" end="4"/>
+                                            </p:txEl>
+                                          </p:spTgt>
+                                        </p:tgtEl>
+                                        <p:attrNameLst>
+                                          <p:attrName>style.visibility</p:attrName>
+                                        </p:attrNameLst>
+                                      </p:cBhvr>
+                                      <p:to>
+                                        <p:strVal val="visible"/>
+                                      </p:to>
+                                    </p:set>
+                                  </p:childTnLst>
+                                </p:cTn>
+                              </p:par>
+                            </p:childTnLst>
+                          </p:cTn>
+                        </p:par>
+                      </p:childTnLst>
+                    </p:cTn>
+                  </p:par>
+                  <p:par>
+                    <p:cTn id="19" fill="hold">
+                      <p:stCondLst>
+                        <p:cond delay="indefinite"/>
+                      </p:stCondLst>
+                      <p:childTnLst>
+                        <p:par>
+                          <p:cTn id="20" fill="hold">
+                            <p:stCondLst>
+                              <p:cond delay="0"/>
+                            </p:stCondLst>
+                            <p:childTnLst>
+                              <p:par>
+                                <p:cTn id="21" presetID="1" presetClass="entr" presetSubtype="0" fill="hold" grpId="0" nodeType="clickEffect">
+                                  <p:stCondLst>
+                                    <p:cond delay="0"/>
+                                  </p:stCondLst>
+                                  <p:childTnLst>
+                                    <p:set>
+                                      <p:cBhvr>
+                                        <p:cTn id="22" dur="1" fill="hold">
+                                          <p:stCondLst>
+                                            <p:cond delay="0"/>
+                                          </p:stCondLst>
+                                        </p:cTn>
+                                        <p:tgtEl>
+                                          <p:spTgt spid="8">
+                                            <p:txEl>
+                                              <p:pRg st="5" end="5"/>
+                                            </p:txEl>
+                                          </p:spTgt>
+                                        </p:tgtEl>
+                                        <p:attrNameLst>
+                                          <p:attrName>style.visibility</p:attrName>
+                                        </p:attrNameLst>
+                                      </p:cBhvr>
+                                      <p:to>
+                                        <p:strVal val="visible"/>
+                                      </p:to>
+                                    </p:set>
+                                  </p:childTnLst>
+                                </p:cTn>
+                              </p:par>
+                            </p:childTnLst>
+                          </p:cTn>
+                        </p:par>
+                      </p:childTnLst>
+                    </p:cTn>
+                  </p:par>
+                </p:childTnLst>
+              </p:cTn>
+              <p:prevCondLst>
+                <p:cond evt="onPrev" delay="0">
+                  <p:tgtEl>
+                    <p:sldTgt/>
+                  </p:tgtEl>
+                </p:cond>
+              </p:prevCondLst>
+              <p:nextCondLst>
+                <p:cond evt="onNext" delay="0">
+                  <p:tgtEl>
+                    <p:sldTgt/>
+                  </p:tgtEl>
+                </p:cond>
+              </p:nextCondLst>
+            </p:seq>
+          </p:childTnLst>
+        </p:cTn>
+      </p:par>
+    </p:tnLst>
+    <p:bldLst>
+      <p:bldP spid="8" grpId="0" build="p"/>
+    </p:bldLst>
+  </p:timing>
+</p:sld>
+</file>
+
+<file path=ppt/slides/slide2.xml><?xml version="1.0" encoding="utf-8"?>
+<p:sld xmlns:a="http://schemas.openxmlformats.org/drawingml/2006/main" xmlns:r="http://schemas.openxmlformats.org/officeDocument/2006/relationships" xmlns:p="http://schemas.openxmlformats.org/presentationml/2006/main">
+  <p:cSld>
+    <p:spTree>
+      <p:nvGrpSpPr>
+        <p:cNvPr id="1" name=""/>
+        <p:cNvGrpSpPr/>
+        <p:nvPr/>
+      </p:nvGrpSpPr>
+      <p:grpSpPr>
+        <a:xfrm>
+          <a:off x="0" y="0"/>
+          <a:ext cx="0" cy="0"/>
+          <a:chOff x="0" y="0"/>
+          <a:chExt cx="0" cy="0"/>
+        </a:xfrm>
+      </p:grpSpPr>
+      <p:sp>
+        <p:nvSpPr>
+          <p:cNvPr id="2" name="Title 1">
+            <a:extLst>
+              <a:ext uri="{FF2B5EF4-FFF2-40B4-BE49-F238E27FC236}">
+                <a16:creationId xmlns:a16="http://schemas.microsoft.com/office/drawing/2014/main" id="{64EEBB33-D2D8-2E4B-91AC-5E9981251D09}"/>
+              </a:ext>
+            </a:extLst>
+          </p:cNvPr>
+          <p:cNvSpPr>
+            <a:spLocks noGrp="1"/>
+          </p:cNvSpPr>
+          <p:nvPr>
+            <p:ph type="title"/>
+          </p:nvPr>
+        </p:nvSpPr>
+        <p:spPr/>
+        <p:txBody>
+          <a:bodyPr/>
+          <a:lstStyle/>
+          <a:p>
+            <a:r>
+              <a:rPr lang="en-US" dirty="0"/>
+              <a:t>Team 55: Personnel</a:t>
+            </a:r>
+          </a:p>
+        </p:txBody>
+      </p:sp>
+      <p:sp>
+        <p:nvSpPr>
+          <p:cNvPr id="3" name="Content Placeholder 2">
+            <a:extLst>
+              <a:ext uri="{FF2B5EF4-FFF2-40B4-BE49-F238E27FC236}">
+                <a16:creationId xmlns:a16="http://schemas.microsoft.com/office/drawing/2014/main" id="{CC19814E-4064-2244-8937-DE2CB9A8BF6B}"/>
+              </a:ext>
+            </a:extLst>
+          </p:cNvPr>
+          <p:cNvSpPr>
+            <a:spLocks noGrp="1"/>
+          </p:cNvSpPr>
+          <p:nvPr>
+            <p:ph sz="half" idx="1"/>
+          </p:nvPr>
+        </p:nvSpPr>
+        <p:spPr/>
+        <p:txBody>
+          <a:bodyPr/>
+          <a:lstStyle/>
+          <a:p>
+            <a:pPr marL="0" indent="0">
+              <a:buNone/>
+            </a:pPr>
+            <a:r>
+              <a:rPr lang="en-US" dirty="0"/>
+              <a:t>Team 55 Members:</a:t>
+            </a:r>
+          </a:p>
+          <a:p>
+            <a:r>
+              <a:rPr lang="en-US" dirty="0"/>
+              <a:t>James Davis</a:t>
+            </a:r>
+          </a:p>
+          <a:p>
+            <a:r>
+              <a:rPr lang="en-US" dirty="0" err="1"/>
+              <a:t>Haolong</a:t>
+            </a:r>
+            <a:r>
+              <a:rPr lang="en-US" dirty="0"/>
+              <a:t> Yan</a:t>
+            </a:r>
+          </a:p>
+          <a:p>
+            <a:r>
+              <a:rPr lang="en-US" dirty="0"/>
+              <a:t>Rahul </a:t>
+            </a:r>
+            <a:r>
+              <a:rPr lang="en-US" dirty="0" err="1"/>
+              <a:t>Nowlakha</a:t>
+            </a:r>
+            <a:endParaRPr lang="en-US" dirty="0"/>
+          </a:p>
+          <a:p>
+            <a:r>
+              <a:rPr lang="en-US" dirty="0"/>
+              <a:t>Joe </a:t>
+            </a:r>
+            <a:r>
+              <a:rPr lang="en-US" dirty="0" err="1"/>
+              <a:t>Kurokawa</a:t>
+            </a:r>
+            <a:endParaRPr lang="en-US" dirty="0"/>
+          </a:p>
+          <a:p>
+            <a:r>
+              <a:rPr lang="en-US" dirty="0"/>
+              <a:t>Traver Clifford</a:t>
+            </a:r>
+          </a:p>
+          <a:p>
+            <a:r>
+              <a:rPr lang="en-US" dirty="0"/>
+              <a:t>Eric </a:t>
+            </a:r>
+            <a:r>
+              <a:rPr lang="en-US" dirty="0" err="1"/>
+              <a:t>Mammoser</a:t>
+            </a:r>
+            <a:endParaRPr lang="en-US" baseline="30000" dirty="0"/>
+          </a:p>
+          <a:p>
+            <a:pPr marL="0" indent="0">
+              <a:buNone/>
+            </a:pPr>
+            <a:endParaRPr lang="en-US" dirty="0"/>
+          </a:p>
+        </p:txBody>
+      </p:sp>
+      <p:sp>
+        <p:nvSpPr>
+          <p:cNvPr id="4" name="Content Placeholder 3">
+            <a:extLst>
+              <a:ext uri="{FF2B5EF4-FFF2-40B4-BE49-F238E27FC236}">
+                <a16:creationId xmlns:a16="http://schemas.microsoft.com/office/drawing/2014/main" id="{ABCF98DE-C1CC-624E-9CB5-306BC288215C}"/>
+              </a:ext>
+            </a:extLst>
+          </p:cNvPr>
+          <p:cNvSpPr>
+            <a:spLocks noGrp="1"/>
+          </p:cNvSpPr>
+          <p:nvPr>
+            <p:ph sz="half" idx="2"/>
+          </p:nvPr>
+        </p:nvSpPr>
+        <p:spPr/>
+        <p:txBody>
+          <a:bodyPr/>
+          <a:lstStyle/>
+          <a:p>
+            <a:pPr marL="0" indent="0">
+              <a:buNone/>
+            </a:pPr>
+            <a:r>
+              <a:rPr lang="en-US" dirty="0"/>
+              <a:t>CDC Mentors:</a:t>
+            </a:r>
+          </a:p>
+          <a:p>
+            <a:r>
+              <a:rPr lang="en-US" dirty="0"/>
+              <a:t>Jill Raudabaugh</a:t>
+            </a:r>
+          </a:p>
+          <a:p>
+            <a:r>
+              <a:rPr lang="en-US" dirty="0"/>
+              <a:t>Breanna Newton</a:t>
+            </a:r>
+          </a:p>
+          <a:p>
+            <a:endParaRPr lang="en-US" dirty="0"/>
+          </a:p>
+          <a:p>
+            <a:pPr marL="0" indent="0">
+              <a:buNone/>
+            </a:pPr>
+            <a:r>
+              <a:rPr lang="en-US" dirty="0"/>
+              <a:t>GT Mentor:</a:t>
+            </a:r>
+          </a:p>
+          <a:p>
+            <a:r>
+              <a:rPr lang="en-US" dirty="0"/>
+              <a:t>Elizabeth Shivers</a:t>
+            </a:r>
+          </a:p>
+        </p:txBody>
+      </p:sp>
+      <p:sp>
+        <p:nvSpPr>
+          <p:cNvPr id="5" name="Date Placeholder 5">
+            <a:extLst>
+              <a:ext uri="{FF2B5EF4-FFF2-40B4-BE49-F238E27FC236}">
+                <a16:creationId xmlns:a16="http://schemas.microsoft.com/office/drawing/2014/main" id="{F1109D1E-F667-0449-BEB2-529D4C2825E6}"/>
+              </a:ext>
+            </a:extLst>
+          </p:cNvPr>
+          <p:cNvSpPr>
+            <a:spLocks noGrp="1"/>
+          </p:cNvSpPr>
+          <p:nvPr>
+            <p:ph type="dt" sz="half" idx="10"/>
+          </p:nvPr>
+        </p:nvSpPr>
+        <p:spPr>
+          <a:xfrm>
+            <a:off x="285750" y="5811838"/>
+            <a:ext cx="2057400" cy="365125"/>
+          </a:xfrm>
+        </p:spPr>
+        <p:txBody>
+          <a:bodyPr/>
+          <a:lstStyle/>
+          <a:p>
+            <a:r>
+              <a:rPr lang="en-US" dirty="0"/>
+              <a:t>11/14/2020</a:t>
+            </a:r>
+          </a:p>
+        </p:txBody>
+      </p:sp>
+    </p:spTree>
+    <p:extLst>
+      <p:ext uri="{BB962C8B-B14F-4D97-AF65-F5344CB8AC3E}">
+        <p14:creationId xmlns:p14="http://schemas.microsoft.com/office/powerpoint/2010/main" val="4033145866"/>
+      </p:ext>
+    </p:extLst>
+  </p:cSld>
+  <p:clrMapOvr>
+    <a:masterClrMapping/>
+  </p:clrMapOvr>
+</p:sld>
+</file>
+
+<file path=ppt/slides/slide3.xml><?xml version="1.0" encoding="utf-8"?>
+<p:sld xmlns:a="http://schemas.openxmlformats.org/drawingml/2006/main" xmlns:r="http://schemas.openxmlformats.org/officeDocument/2006/relationships" xmlns:p="http://schemas.openxmlformats.org/presentationml/2006/main">
+  <p:cSld>
+    <p:spTree>
+      <p:nvGrpSpPr>
+        <p:cNvPr id="1" name=""/>
+        <p:cNvGrpSpPr/>
+        <p:nvPr/>
+      </p:nvGrpSpPr>
+      <p:grpSpPr>
+        <a:xfrm>
+          <a:off x="0" y="0"/>
+          <a:ext cx="0" cy="0"/>
+          <a:chOff x="0" y="0"/>
+          <a:chExt cx="0" cy="0"/>
+        </a:xfrm>
+      </p:grpSpPr>
+      <p:sp>
+        <p:nvSpPr>
+          <p:cNvPr id="3" name="Text Placeholder 2"/>
+          <p:cNvSpPr>
+            <a:spLocks noGrp="1"/>
+          </p:cNvSpPr>
+          <p:nvPr>
+            <p:ph idx="1"/>
+          </p:nvPr>
+        </p:nvSpPr>
+        <p:spPr/>
+        <p:txBody>
+          <a:bodyPr>
+            <a:normAutofit/>
+          </a:bodyPr>
+          <a:lstStyle/>
+          <a:p>
+            <a:r>
+              <a:rPr lang="en-US" dirty="0"/>
+              <a:t>NDJSON Update</a:t>
+            </a:r>
+          </a:p>
+          <a:p>
+            <a:r>
+              <a:rPr lang="en-US" dirty="0"/>
+              <a:t>DB Update</a:t>
+            </a:r>
+          </a:p>
+          <a:p>
+            <a:r>
+              <a:rPr lang="en-US" dirty="0"/>
+              <a:t>QA Update</a:t>
+            </a:r>
+          </a:p>
+          <a:p>
+            <a:r>
+              <a:rPr lang="en-US" dirty="0"/>
+              <a:t>Visualization Update</a:t>
+            </a:r>
+          </a:p>
+          <a:p>
+            <a:r>
+              <a:rPr lang="en-US" dirty="0"/>
+              <a:t>Project Screenshots</a:t>
+            </a:r>
+          </a:p>
+          <a:p>
+            <a:r>
+              <a:rPr lang="en-US" dirty="0"/>
+              <a:t>Project Plan Update</a:t>
+            </a:r>
+          </a:p>
+          <a:p>
+            <a:r>
+              <a:rPr lang="en-US" dirty="0"/>
+              <a:t>Project Plan Details</a:t>
+            </a:r>
+          </a:p>
+          <a:p>
+            <a:r>
+              <a:rPr lang="en-US" dirty="0"/>
+              <a:t>Plans for Upcoming Weeks</a:t>
+            </a:r>
+          </a:p>
+          <a:p>
+            <a:endParaRPr lang="en-US" dirty="0"/>
+          </a:p>
+          <a:p>
+            <a:endParaRPr lang="en-US" dirty="0"/>
+          </a:p>
+        </p:txBody>
+      </p:sp>
+      <p:sp>
+        <p:nvSpPr>
+          <p:cNvPr id="6" name="Date Placeholder 5"/>
+          <p:cNvSpPr>
+            <a:spLocks noGrp="1"/>
+          </p:cNvSpPr>
+          <p:nvPr>
+            <p:ph type="dt" sz="half" idx="10"/>
+          </p:nvPr>
+        </p:nvSpPr>
+        <p:spPr/>
+        <p:txBody>
+          <a:bodyPr/>
+          <a:lstStyle/>
+          <a:p>
+            <a:r>
+              <a:rPr lang="en-US" dirty="0"/>
+              <a:t>11/14/2020</a:t>
+            </a:r>
+          </a:p>
+        </p:txBody>
+      </p:sp>
+      <p:sp>
+        <p:nvSpPr>
+          <p:cNvPr id="5" name="Slide Number Placeholder 4"/>
+          <p:cNvSpPr>
+            <a:spLocks noGrp="1"/>
+          </p:cNvSpPr>
+          <p:nvPr>
+            <p:ph type="sldNum" sz="quarter" idx="12"/>
+          </p:nvPr>
+        </p:nvSpPr>
+        <p:spPr/>
+        <p:txBody>
+          <a:bodyPr/>
+          <a:lstStyle/>
+          <a:p>
+            <a:fld id="{079BB85F-8D7B-4121-93BF-56CC81854BC2}" type="slidenum">
+              <a:rPr lang="en-US" smtClean="0"/>
+              <a:pPr/>
+              <a:t>3</a:t>
+            </a:fld>
+            <a:endParaRPr lang="en-US" dirty="0"/>
+          </a:p>
+        </p:txBody>
+      </p:sp>
+      <p:sp>
+        <p:nvSpPr>
+          <p:cNvPr id="2" name="Title 1"/>
+          <p:cNvSpPr>
+            <a:spLocks noGrp="1"/>
+          </p:cNvSpPr>
+          <p:nvPr>
+            <p:ph type="title"/>
+          </p:nvPr>
+        </p:nvSpPr>
+        <p:spPr/>
+        <p:txBody>
+          <a:bodyPr/>
+          <a:lstStyle/>
+          <a:p>
+            <a:r>
+              <a:rPr lang="en-US" dirty="0"/>
+              <a:t>Agenda</a:t>
+            </a:r>
+          </a:p>
+        </p:txBody>
+      </p:sp>
+    </p:spTree>
+    <p:extLst>
+      <p:ext uri="{BB962C8B-B14F-4D97-AF65-F5344CB8AC3E}">
+        <p14:creationId xmlns:p14="http://schemas.microsoft.com/office/powerpoint/2010/main" val="2959282076"/>
+      </p:ext>
+    </p:extLst>
+  </p:cSld>
+  <p:clrMapOvr>
+    <a:masterClrMapping/>
+  </p:clrMapOvr>
+</p:sld>
+</file>
+
+<file path=ppt/slides/slide4.xml><?xml version="1.0" encoding="utf-8"?>
+<p:sld xmlns:a="http://schemas.openxmlformats.org/drawingml/2006/main" xmlns:r="http://schemas.openxmlformats.org/officeDocument/2006/relationships" xmlns:p="http://schemas.openxmlformats.org/presentationml/2006/main">
+  <p:cSld>
+    <p:spTree>
+      <p:nvGrpSpPr>
+        <p:cNvPr id="1" name=""/>
+        <p:cNvGrpSpPr/>
+        <p:nvPr/>
+      </p:nvGrpSpPr>
+      <p:grpSpPr>
+        <a:xfrm>
+          <a:off x="0" y="0"/>
+          <a:ext cx="0" cy="0"/>
+          <a:chOff x="0" y="0"/>
+          <a:chExt cx="0" cy="0"/>
+        </a:xfrm>
+      </p:grpSpPr>
+      <p:sp>
+        <p:nvSpPr>
+          <p:cNvPr id="6" name="Date Placeholder 5"/>
+          <p:cNvSpPr>
+            <a:spLocks noGrp="1"/>
+          </p:cNvSpPr>
+          <p:nvPr>
+            <p:ph type="dt" sz="half" idx="10"/>
+          </p:nvPr>
+        </p:nvSpPr>
+        <p:spPr/>
+        <p:txBody>
+          <a:bodyPr/>
+          <a:lstStyle/>
+          <a:p>
+            <a:r>
+              <a:rPr lang="en-US" dirty="0"/>
+              <a:t>11/14/2020</a:t>
+            </a:r>
+          </a:p>
+        </p:txBody>
+      </p:sp>
+      <p:sp>
+        <p:nvSpPr>
+          <p:cNvPr id="5" name="Slide Number Placeholder 4"/>
+          <p:cNvSpPr>
+            <a:spLocks noGrp="1"/>
+          </p:cNvSpPr>
+          <p:nvPr>
+            <p:ph type="sldNum" sz="quarter" idx="12"/>
+          </p:nvPr>
+        </p:nvSpPr>
+        <p:spPr/>
+        <p:txBody>
+          <a:bodyPr/>
+          <a:lstStyle/>
+          <a:p>
+            <a:fld id="{079BB85F-8D7B-4121-93BF-56CC81854BC2}" type="slidenum">
+              <a:rPr lang="en-US" smtClean="0"/>
+              <a:pPr/>
+              <a:t>4</a:t>
+            </a:fld>
+            <a:endParaRPr lang="en-US" dirty="0"/>
+          </a:p>
+        </p:txBody>
+      </p:sp>
+      <p:sp>
+        <p:nvSpPr>
+          <p:cNvPr id="2" name="Title 1"/>
+          <p:cNvSpPr>
+            <a:spLocks noGrp="1"/>
+          </p:cNvSpPr>
+          <p:nvPr>
+            <p:ph type="title"/>
+          </p:nvPr>
+        </p:nvSpPr>
+        <p:spPr/>
+        <p:txBody>
+          <a:bodyPr>
+            <a:normAutofit/>
+          </a:bodyPr>
+          <a:lstStyle/>
+          <a:p>
+            <a:r>
+              <a:rPr lang="en-US" dirty="0"/>
+              <a:t>NDJSON</a:t>
+            </a:r>
+          </a:p>
+        </p:txBody>
+      </p:sp>
+      <p:sp>
+        <p:nvSpPr>
+          <p:cNvPr id="8" name="Text Placeholder 2">
+            <a:extLst>
+              <a:ext uri="{FF2B5EF4-FFF2-40B4-BE49-F238E27FC236}">
+                <a16:creationId xmlns:a16="http://schemas.microsoft.com/office/drawing/2014/main" id="{F7D0033C-A53F-0C43-BFBC-D288919294CB}"/>
+              </a:ext>
+            </a:extLst>
+          </p:cNvPr>
+          <p:cNvSpPr>
+            <a:spLocks noGrp="1"/>
+          </p:cNvSpPr>
+          <p:nvPr>
+            <p:ph idx="1"/>
+          </p:nvPr>
+        </p:nvSpPr>
+        <p:spPr>
+          <a:xfrm>
+            <a:off x="285750" y="1215483"/>
+            <a:ext cx="8572500" cy="4596355"/>
+          </a:xfrm>
+        </p:spPr>
+        <p:txBody>
+          <a:bodyPr/>
+          <a:lstStyle/>
+          <a:p>
+            <a:r>
+              <a:rPr lang="en-US" dirty="0"/>
+              <a:t>Improved efficiency by packaging all patients into bundle and handling with single POST</a:t>
+            </a:r>
+          </a:p>
+          <a:p>
+            <a:endParaRPr lang="en-US" dirty="0"/>
+          </a:p>
+          <a:p>
+            <a:pPr marL="0" indent="0">
+              <a:buNone/>
+            </a:pPr>
+            <a:endParaRPr lang="en-US" dirty="0"/>
+          </a:p>
+        </p:txBody>
+      </p:sp>
+    </p:spTree>
+    <p:extLst>
+      <p:ext uri="{BB962C8B-B14F-4D97-AF65-F5344CB8AC3E}">
+        <p14:creationId xmlns:p14="http://schemas.microsoft.com/office/powerpoint/2010/main" val="1346866763"/>
+      </p:ext>
+    </p:extLst>
+  </p:cSld>
+  <p:clrMapOvr>
+    <a:masterClrMapping/>
+  </p:clrMapOvr>
+  <p:timing>
+    <p:tnLst>
+      <p:par>
+        <p:cTn id="1" dur="indefinite" restart="never" nodeType="tmRoot">
+          <p:childTnLst>
+            <p:seq concurrent="1" nextAc="seek">
+              <p:cTn id="2" dur="indefinite" nodeType="mainSeq">
+                <p:childTnLst>
+                  <p:par>
+                    <p:cTn id="3" fill="hold">
+                      <p:stCondLst>
+                        <p:cond delay="indefinite"/>
+                      </p:stCondLst>
+                      <p:childTnLst>
+                        <p:par>
+                          <p:cTn id="4" fill="hold">
+                            <p:stCondLst>
+                              <p:cond delay="0"/>
+                            </p:stCondLst>
+                            <p:childTnLst>
+                              <p:par>
+                                <p:cTn id="5" presetID="1" presetClass="entr" presetSubtype="0" fill="hold" grpId="0" nodeType="clickEffect">
+                                  <p:stCondLst>
+                                    <p:cond delay="0"/>
+                                  </p:stCondLst>
+                                  <p:childTnLst>
+                                    <p:set>
+                                      <p:cBhvr>
+                                        <p:cTn id="6" dur="1" fill="hold">
+                                          <p:stCondLst>
+                                            <p:cond delay="0"/>
+                                          </p:stCondLst>
+                                        </p:cTn>
+                                        <p:tgtEl>
+                                          <p:spTgt spid="8">
+                                            <p:txEl>
+                                              <p:pRg st="0" end="0"/>
                                             </p:txEl>
                                           </p:spTgt>
                                         </p:tgtEl>
@@ -5520,7 +5998,7 @@
           <a:p>
             <a:r>
               <a:rPr lang="en-US" dirty="0"/>
-              <a:t>DB Insertion Update</a:t>
+              <a:t>DB Creation</a:t>
             </a:r>
           </a:p>
         </p:txBody>
@@ -5553,26 +6031,250 @@
           <a:p>
             <a:r>
               <a:rPr lang="en-US" dirty="0"/>
-              <a:t>Updated code to support inserting XML</a:t>
-            </a:r>
-          </a:p>
-          <a:p>
-            <a:r>
-              <a:rPr lang="en-US" dirty="0"/>
-              <a:t>Updated to support bundles</a:t>
-            </a:r>
-          </a:p>
-          <a:p>
-            <a:r>
-              <a:rPr lang="en-US" dirty="0"/>
-              <a:t>Continued work on mapping DB fields to resources</a:t>
+              <a:t>Stood up new tables from CDC as part of stretch goal</a:t>
+            </a:r>
+          </a:p>
+          <a:p>
+            <a:endParaRPr lang="en-US" dirty="0"/>
+          </a:p>
+          <a:p>
+            <a:pPr marL="0" indent="0">
+              <a:buNone/>
+            </a:pPr>
+            <a:endParaRPr lang="en-US" dirty="0"/>
+          </a:p>
+        </p:txBody>
+      </p:sp>
+    </p:spTree>
+    <p:extLst>
+      <p:ext uri="{BB962C8B-B14F-4D97-AF65-F5344CB8AC3E}">
+        <p14:creationId xmlns:p14="http://schemas.microsoft.com/office/powerpoint/2010/main" val="2253719214"/>
+      </p:ext>
+    </p:extLst>
+  </p:cSld>
+  <p:clrMapOvr>
+    <a:masterClrMapping/>
+  </p:clrMapOvr>
+  <p:timing>
+    <p:tnLst>
+      <p:par>
+        <p:cTn id="1" dur="indefinite" restart="never" nodeType="tmRoot">
+          <p:childTnLst>
+            <p:seq concurrent="1" nextAc="seek">
+              <p:cTn id="2" dur="indefinite" nodeType="mainSeq">
+                <p:childTnLst>
+                  <p:par>
+                    <p:cTn id="3" fill="hold">
+                      <p:stCondLst>
+                        <p:cond delay="indefinite"/>
+                      </p:stCondLst>
+                      <p:childTnLst>
+                        <p:par>
+                          <p:cTn id="4" fill="hold">
+                            <p:stCondLst>
+                              <p:cond delay="0"/>
+                            </p:stCondLst>
+                            <p:childTnLst>
+                              <p:par>
+                                <p:cTn id="5" presetID="1" presetClass="entr" presetSubtype="0" fill="hold" grpId="0" nodeType="clickEffect">
+                                  <p:stCondLst>
+                                    <p:cond delay="0"/>
+                                  </p:stCondLst>
+                                  <p:childTnLst>
+                                    <p:set>
+                                      <p:cBhvr>
+                                        <p:cTn id="6" dur="1" fill="hold">
+                                          <p:stCondLst>
+                                            <p:cond delay="0"/>
+                                          </p:stCondLst>
+                                        </p:cTn>
+                                        <p:tgtEl>
+                                          <p:spTgt spid="8">
+                                            <p:txEl>
+                                              <p:pRg st="0" end="0"/>
+                                            </p:txEl>
+                                          </p:spTgt>
+                                        </p:tgtEl>
+                                        <p:attrNameLst>
+                                          <p:attrName>style.visibility</p:attrName>
+                                        </p:attrNameLst>
+                                      </p:cBhvr>
+                                      <p:to>
+                                        <p:strVal val="visible"/>
+                                      </p:to>
+                                    </p:set>
+                                  </p:childTnLst>
+                                </p:cTn>
+                              </p:par>
+                            </p:childTnLst>
+                          </p:cTn>
+                        </p:par>
+                      </p:childTnLst>
+                    </p:cTn>
+                  </p:par>
+                </p:childTnLst>
+              </p:cTn>
+              <p:prevCondLst>
+                <p:cond evt="onPrev" delay="0">
+                  <p:tgtEl>
+                    <p:sldTgt/>
+                  </p:tgtEl>
+                </p:cond>
+              </p:prevCondLst>
+              <p:nextCondLst>
+                <p:cond evt="onNext" delay="0">
+                  <p:tgtEl>
+                    <p:sldTgt/>
+                  </p:tgtEl>
+                </p:cond>
+              </p:nextCondLst>
+            </p:seq>
+          </p:childTnLst>
+        </p:cTn>
+      </p:par>
+    </p:tnLst>
+    <p:bldLst>
+      <p:bldP spid="8" grpId="0" build="p"/>
+    </p:bldLst>
+  </p:timing>
+</p:sld>
+</file>
+
+<file path=ppt/slides/slide6.xml><?xml version="1.0" encoding="utf-8"?>
+<p:sld xmlns:a="http://schemas.openxmlformats.org/drawingml/2006/main" xmlns:r="http://schemas.openxmlformats.org/officeDocument/2006/relationships" xmlns:p="http://schemas.openxmlformats.org/presentationml/2006/main">
+  <p:cSld>
+    <p:spTree>
+      <p:nvGrpSpPr>
+        <p:cNvPr id="1" name=""/>
+        <p:cNvGrpSpPr/>
+        <p:nvPr/>
+      </p:nvGrpSpPr>
+      <p:grpSpPr>
+        <a:xfrm>
+          <a:off x="0" y="0"/>
+          <a:ext cx="0" cy="0"/>
+          <a:chOff x="0" y="0"/>
+          <a:chExt cx="0" cy="0"/>
+        </a:xfrm>
+      </p:grpSpPr>
+      <p:sp>
+        <p:nvSpPr>
+          <p:cNvPr id="6" name="Date Placeholder 5"/>
+          <p:cNvSpPr>
+            <a:spLocks noGrp="1"/>
+          </p:cNvSpPr>
+          <p:nvPr>
+            <p:ph type="dt" sz="half" idx="10"/>
+          </p:nvPr>
+        </p:nvSpPr>
+        <p:spPr/>
+        <p:txBody>
+          <a:bodyPr/>
+          <a:lstStyle/>
+          <a:p>
+            <a:r>
+              <a:rPr lang="en-US" dirty="0"/>
+              <a:t>11/14/2020</a:t>
+            </a:r>
+          </a:p>
+        </p:txBody>
+      </p:sp>
+      <p:sp>
+        <p:nvSpPr>
+          <p:cNvPr id="5" name="Slide Number Placeholder 4"/>
+          <p:cNvSpPr>
+            <a:spLocks noGrp="1"/>
+          </p:cNvSpPr>
+          <p:nvPr>
+            <p:ph type="sldNum" sz="quarter" idx="12"/>
+          </p:nvPr>
+        </p:nvSpPr>
+        <p:spPr/>
+        <p:txBody>
+          <a:bodyPr/>
+          <a:lstStyle/>
+          <a:p>
+            <a:fld id="{079BB85F-8D7B-4121-93BF-56CC81854BC2}" type="slidenum">
+              <a:rPr lang="en-US" smtClean="0"/>
+              <a:pPr/>
+              <a:t>6</a:t>
+            </a:fld>
+            <a:endParaRPr lang="en-US" dirty="0"/>
+          </a:p>
+        </p:txBody>
+      </p:sp>
+      <p:sp>
+        <p:nvSpPr>
+          <p:cNvPr id="2" name="Title 1"/>
+          <p:cNvSpPr>
+            <a:spLocks noGrp="1"/>
+          </p:cNvSpPr>
+          <p:nvPr>
+            <p:ph type="title"/>
+          </p:nvPr>
+        </p:nvSpPr>
+        <p:spPr/>
+        <p:txBody>
+          <a:bodyPr>
+            <a:normAutofit/>
+          </a:bodyPr>
+          <a:lstStyle/>
+          <a:p>
+            <a:r>
+              <a:rPr lang="en-US" dirty="0"/>
+              <a:t>DB Insertion Update</a:t>
+            </a:r>
+          </a:p>
+        </p:txBody>
+      </p:sp>
+      <p:sp>
+        <p:nvSpPr>
+          <p:cNvPr id="8" name="Text Placeholder 2">
+            <a:extLst>
+              <a:ext uri="{FF2B5EF4-FFF2-40B4-BE49-F238E27FC236}">
+                <a16:creationId xmlns:a16="http://schemas.microsoft.com/office/drawing/2014/main" id="{F7D0033C-A53F-0C43-BFBC-D288919294CB}"/>
+              </a:ext>
+            </a:extLst>
+          </p:cNvPr>
+          <p:cNvSpPr>
+            <a:spLocks noGrp="1"/>
+          </p:cNvSpPr>
+          <p:nvPr>
+            <p:ph idx="1"/>
+          </p:nvPr>
+        </p:nvSpPr>
+        <p:spPr>
+          <a:xfrm>
+            <a:off x="285750" y="1215483"/>
+            <a:ext cx="8572500" cy="4596355"/>
+          </a:xfrm>
+        </p:spPr>
+        <p:txBody>
+          <a:bodyPr/>
+          <a:lstStyle/>
+          <a:p>
+            <a:r>
+              <a:rPr lang="en-US" dirty="0"/>
+              <a:t>Added support for inserting XML</a:t>
+            </a:r>
+          </a:p>
+          <a:p>
+            <a:r>
+              <a:rPr lang="en-US" dirty="0"/>
+              <a:t>Added support for bundles (incl. NDJSON)</a:t>
+            </a:r>
+          </a:p>
+          <a:p>
+            <a:r>
+              <a:rPr lang="en-US" dirty="0"/>
+              <a:t>DB mapping continues</a:t>
             </a:r>
           </a:p>
           <a:p>
             <a:pPr lvl="1"/>
             <a:r>
               <a:rPr lang="en-US" dirty="0"/>
-              <a:t>Discussed some with CDC mentor Jill, but will continue the conversation in the next meeting</a:t>
+              <a:t>Discussed with CDC mentor, planning to meet again on 11/16</a:t>
             </a:r>
           </a:p>
           <a:p>
@@ -5842,7 +6544,7 @@
 </p:sld>
 </file>
 
-<file path=ppt/slides/slide6.xml><?xml version="1.0" encoding="utf-8"?>
+<file path=ppt/slides/slide7.xml><?xml version="1.0" encoding="utf-8"?>
 <p:sld xmlns:a="http://schemas.openxmlformats.org/drawingml/2006/main" xmlns:r="http://schemas.openxmlformats.org/officeDocument/2006/relationships" xmlns:p="http://schemas.openxmlformats.org/presentationml/2006/main">
   <p:cSld>
     <p:spTree>
@@ -5899,7 +6601,7 @@
             <a:fld id="{079BB85F-8D7B-4121-93BF-56CC81854BC2}" type="slidenum">
               <a:rPr lang="en-US" smtClean="0"/>
               <a:pPr/>
-              <a:t>6</a:t>
+              <a:t>7</a:t>
             </a:fld>
             <a:endParaRPr lang="en-US" dirty="0"/>
           </a:p>
@@ -5952,7 +6654,9 @@
           </a:xfrm>
         </p:spPr>
         <p:txBody>
-          <a:bodyPr/>
+          <a:bodyPr>
+            <a:normAutofit/>
+          </a:bodyPr>
           <a:lstStyle/>
           <a:p>
             <a:r>
@@ -5978,15 +6682,7 @@
           <a:p>
             <a:r>
               <a:rPr lang="en-US" dirty="0"/>
-              <a:t>Added testcases to validate the XML </a:t>
-            </a:r>
-            <a:r>
-              <a:rPr lang="en-US" dirty="0" err="1"/>
-              <a:t>db</a:t>
-            </a:r>
-            <a:r>
-              <a:rPr lang="en-US" dirty="0"/>
-              <a:t> insertion</a:t>
+              <a:t>Added testcases to validate the XML and bundle DB insertion</a:t>
             </a:r>
           </a:p>
           <a:p>
@@ -5999,7 +6695,7 @@
             <a:pPr lvl="1"/>
             <a:r>
               <a:rPr lang="en-US" dirty="0"/>
-              <a:t>Previously only supported ASCII, now supports UTF-8</a:t>
+              <a:t>Previously only supported ASCII</a:t>
             </a:r>
           </a:p>
         </p:txBody>
@@ -6259,7 +6955,7 @@
 </p:sld>
 </file>
 
-<file path=ppt/slides/slide7.xml><?xml version="1.0" encoding="utf-8"?>
+<file path=ppt/slides/slide8.xml><?xml version="1.0" encoding="utf-8"?>
 <p:sld xmlns:a="http://schemas.openxmlformats.org/drawingml/2006/main" xmlns:r="http://schemas.openxmlformats.org/officeDocument/2006/relationships" xmlns:p="http://schemas.openxmlformats.org/presentationml/2006/main">
   <p:cSld>
     <p:spTree>
@@ -6316,7 +7012,7 @@
             <a:fld id="{079BB85F-8D7B-4121-93BF-56CC81854BC2}" type="slidenum">
               <a:rPr lang="en-US" smtClean="0"/>
               <a:pPr/>
-              <a:t>7</a:t>
+              <a:t>8</a:t>
             </a:fld>
             <a:endParaRPr lang="en-US" dirty="0"/>
           </a:p>
@@ -6374,7 +7070,7 @@
           <a:p>
             <a:r>
               <a:rPr lang="en-US" dirty="0"/>
-              <a:t>Validated that I can save my workbook without data packaged</a:t>
+              <a:t>Validated that we can save a workbook without data packaged</a:t>
             </a:r>
           </a:p>
           <a:p>
@@ -6382,6 +7078,13 @@
             <a:r>
               <a:rPr lang="en-US" dirty="0"/>
               <a:t>Prompts for login to Docker container’s SQL DB when restoring</a:t>
+            </a:r>
+          </a:p>
+          <a:p>
+            <a:pPr lvl="1"/>
+            <a:r>
+              <a:rPr lang="en-US" dirty="0"/>
+              <a:t>Enables transfer of GUI without data</a:t>
             </a:r>
           </a:p>
           <a:p>
@@ -6481,453 +7184,15 @@
                                   </p:childTnLst>
                                 </p:cTn>
                               </p:par>
-                            </p:childTnLst>
-                          </p:cTn>
-                        </p:par>
-                      </p:childTnLst>
-                    </p:cTn>
-                  </p:par>
-                </p:childTnLst>
-              </p:cTn>
-              <p:prevCondLst>
-                <p:cond evt="onPrev" delay="0">
-                  <p:tgtEl>
-                    <p:sldTgt/>
-                  </p:tgtEl>
-                </p:cond>
-              </p:prevCondLst>
-              <p:nextCondLst>
-                <p:cond evt="onNext" delay="0">
-                  <p:tgtEl>
-                    <p:sldTgt/>
-                  </p:tgtEl>
-                </p:cond>
-              </p:nextCondLst>
-            </p:seq>
-          </p:childTnLst>
-        </p:cTn>
-      </p:par>
-    </p:tnLst>
-    <p:bldLst>
-      <p:bldP spid="8" grpId="0" build="p"/>
-    </p:bldLst>
-  </p:timing>
-</p:sld>
-</file>
-
-<file path=ppt/slides/slide8.xml><?xml version="1.0" encoding="utf-8"?>
-<p:sld xmlns:a="http://schemas.openxmlformats.org/drawingml/2006/main" xmlns:r="http://schemas.openxmlformats.org/officeDocument/2006/relationships" xmlns:p="http://schemas.openxmlformats.org/presentationml/2006/main">
-  <p:cSld>
-    <p:spTree>
-      <p:nvGrpSpPr>
-        <p:cNvPr id="1" name=""/>
-        <p:cNvGrpSpPr/>
-        <p:nvPr/>
-      </p:nvGrpSpPr>
-      <p:grpSpPr>
-        <a:xfrm>
-          <a:off x="0" y="0"/>
-          <a:ext cx="0" cy="0"/>
-          <a:chOff x="0" y="0"/>
-          <a:chExt cx="0" cy="0"/>
-        </a:xfrm>
-      </p:grpSpPr>
-      <p:sp>
-        <p:nvSpPr>
-          <p:cNvPr id="2" name="Title 1"/>
-          <p:cNvSpPr>
-            <a:spLocks noGrp="1"/>
-          </p:cNvSpPr>
-          <p:nvPr>
-            <p:ph type="title"/>
-          </p:nvPr>
-        </p:nvSpPr>
-        <p:spPr/>
-        <p:txBody>
-          <a:bodyPr>
-            <a:normAutofit/>
-          </a:bodyPr>
-          <a:lstStyle/>
-          <a:p>
-            <a:r>
-              <a:rPr lang="en-US"/>
-              <a:t>Project Plan Update</a:t>
-            </a:r>
-            <a:endParaRPr lang="en-US" dirty="0"/>
-          </a:p>
-        </p:txBody>
-      </p:sp>
-      <p:sp>
-        <p:nvSpPr>
-          <p:cNvPr id="10" name="Date Placeholder 5">
-            <a:extLst>
-              <a:ext uri="{FF2B5EF4-FFF2-40B4-BE49-F238E27FC236}">
-                <a16:creationId xmlns:a16="http://schemas.microsoft.com/office/drawing/2014/main" id="{D5C8633F-2DB9-7846-9636-7DEB43697DF4}"/>
-              </a:ext>
-            </a:extLst>
-          </p:cNvPr>
-          <p:cNvSpPr>
-            <a:spLocks noGrp="1"/>
-          </p:cNvSpPr>
-          <p:nvPr>
-            <p:ph type="dt" sz="half" idx="10"/>
-          </p:nvPr>
-        </p:nvSpPr>
-        <p:spPr>
-          <a:xfrm>
-            <a:off x="285750" y="5811838"/>
-            <a:ext cx="2057400" cy="365125"/>
-          </a:xfrm>
-        </p:spPr>
-        <p:txBody>
-          <a:bodyPr/>
-          <a:lstStyle/>
-          <a:p>
-            <a:r>
-              <a:rPr lang="en-US" dirty="0"/>
-              <a:t>11/14/2020</a:t>
-            </a:r>
-          </a:p>
-        </p:txBody>
-      </p:sp>
-      <p:pic>
-        <p:nvPicPr>
-          <p:cNvPr id="5" name="Picture 4">
-            <a:extLst>
-              <a:ext uri="{FF2B5EF4-FFF2-40B4-BE49-F238E27FC236}">
-                <a16:creationId xmlns:a16="http://schemas.microsoft.com/office/drawing/2014/main" id="{3FA2A077-F0C8-D043-85C8-F7473135E3EF}"/>
-              </a:ext>
-            </a:extLst>
-          </p:cNvPr>
-          <p:cNvPicPr>
-            <a:picLocks noChangeAspect="1"/>
-          </p:cNvPicPr>
-          <p:nvPr/>
-        </p:nvPicPr>
-        <p:blipFill>
-          <a:blip r:embed="rId3"/>
-          <a:stretch>
-            <a:fillRect/>
-          </a:stretch>
-        </p:blipFill>
-        <p:spPr>
-          <a:xfrm>
-            <a:off x="326983" y="1447800"/>
-            <a:ext cx="8436017" cy="4159043"/>
-          </a:xfrm>
-          <a:prstGeom prst="rect">
-            <a:avLst/>
-          </a:prstGeom>
-        </p:spPr>
-      </p:pic>
-    </p:spTree>
-    <p:extLst>
-      <p:ext uri="{BB962C8B-B14F-4D97-AF65-F5344CB8AC3E}">
-        <p14:creationId xmlns:p14="http://schemas.microsoft.com/office/powerpoint/2010/main" val="1057713199"/>
-      </p:ext>
-    </p:extLst>
-  </p:cSld>
-  <p:clrMapOvr>
-    <a:masterClrMapping/>
-  </p:clrMapOvr>
-</p:sld>
-</file>
-
-<file path=ppt/slides/slide9.xml><?xml version="1.0" encoding="utf-8"?>
-<p:sld xmlns:a="http://schemas.openxmlformats.org/drawingml/2006/main" xmlns:r="http://schemas.openxmlformats.org/officeDocument/2006/relationships" xmlns:p="http://schemas.openxmlformats.org/presentationml/2006/main">
-  <p:cSld>
-    <p:spTree>
-      <p:nvGrpSpPr>
-        <p:cNvPr id="1" name=""/>
-        <p:cNvGrpSpPr/>
-        <p:nvPr/>
-      </p:nvGrpSpPr>
-      <p:grpSpPr>
-        <a:xfrm>
-          <a:off x="0" y="0"/>
-          <a:ext cx="0" cy="0"/>
-          <a:chOff x="0" y="0"/>
-          <a:chExt cx="0" cy="0"/>
-        </a:xfrm>
-      </p:grpSpPr>
-      <p:sp>
-        <p:nvSpPr>
-          <p:cNvPr id="6" name="Date Placeholder 5"/>
-          <p:cNvSpPr>
-            <a:spLocks noGrp="1"/>
-          </p:cNvSpPr>
-          <p:nvPr>
-            <p:ph type="dt" sz="half" idx="10"/>
-          </p:nvPr>
-        </p:nvSpPr>
-        <p:spPr/>
-        <p:txBody>
-          <a:bodyPr/>
-          <a:lstStyle/>
-          <a:p>
-            <a:r>
-              <a:rPr lang="en-US" dirty="0"/>
-              <a:t>11/14/2020</a:t>
-            </a:r>
-          </a:p>
-        </p:txBody>
-      </p:sp>
-      <p:sp>
-        <p:nvSpPr>
-          <p:cNvPr id="5" name="Slide Number Placeholder 4"/>
-          <p:cNvSpPr>
-            <a:spLocks noGrp="1"/>
-          </p:cNvSpPr>
-          <p:nvPr>
-            <p:ph type="sldNum" sz="quarter" idx="12"/>
-          </p:nvPr>
-        </p:nvSpPr>
-        <p:spPr/>
-        <p:txBody>
-          <a:bodyPr/>
-          <a:lstStyle/>
-          <a:p>
-            <a:fld id="{079BB85F-8D7B-4121-93BF-56CC81854BC2}" type="slidenum">
-              <a:rPr lang="en-US" smtClean="0"/>
-              <a:pPr/>
-              <a:t>9</a:t>
-            </a:fld>
-            <a:endParaRPr lang="en-US" dirty="0"/>
-          </a:p>
-        </p:txBody>
-      </p:sp>
-      <p:sp>
-        <p:nvSpPr>
-          <p:cNvPr id="2" name="Title 1"/>
-          <p:cNvSpPr>
-            <a:spLocks noGrp="1"/>
-          </p:cNvSpPr>
-          <p:nvPr>
-            <p:ph type="title"/>
-          </p:nvPr>
-        </p:nvSpPr>
-        <p:spPr/>
-        <p:txBody>
-          <a:bodyPr>
-            <a:normAutofit/>
-          </a:bodyPr>
-          <a:lstStyle/>
-          <a:p>
-            <a:r>
-              <a:rPr lang="en-US" dirty="0"/>
-              <a:t>Plans for Future Weeks</a:t>
-            </a:r>
-          </a:p>
-        </p:txBody>
-      </p:sp>
-      <p:sp>
-        <p:nvSpPr>
-          <p:cNvPr id="8" name="Text Placeholder 2">
-            <a:extLst>
-              <a:ext uri="{FF2B5EF4-FFF2-40B4-BE49-F238E27FC236}">
-                <a16:creationId xmlns:a16="http://schemas.microsoft.com/office/drawing/2014/main" id="{F7D0033C-A53F-0C43-BFBC-D288919294CB}"/>
-              </a:ext>
-            </a:extLst>
-          </p:cNvPr>
-          <p:cNvSpPr>
-            <a:spLocks noGrp="1"/>
-          </p:cNvSpPr>
-          <p:nvPr>
-            <p:ph idx="1"/>
-          </p:nvPr>
-        </p:nvSpPr>
-        <p:spPr>
-          <a:xfrm>
-            <a:off x="285750" y="1215483"/>
-            <a:ext cx="8572500" cy="4596355"/>
-          </a:xfrm>
-        </p:spPr>
-        <p:txBody>
-          <a:bodyPr>
-            <a:normAutofit fontScale="92500" lnSpcReduction="10000"/>
-          </a:bodyPr>
-          <a:lstStyle/>
-          <a:p>
-            <a:r>
-              <a:rPr lang="en-US" dirty="0"/>
-              <a:t>Add support for observation resource</a:t>
-            </a:r>
-          </a:p>
-          <a:p>
-            <a:pPr lvl="1"/>
-            <a:r>
-              <a:rPr lang="en-US" dirty="0"/>
-              <a:t>This is needed for a few fields in the worker table</a:t>
-            </a:r>
-          </a:p>
-          <a:p>
-            <a:r>
-              <a:rPr lang="en-US" dirty="0"/>
-              <a:t>Find more data (either from CDC, FHIR servers, or generated via </a:t>
-            </a:r>
-            <a:r>
-              <a:rPr lang="en-US" dirty="0" err="1"/>
-              <a:t>Synthea</a:t>
-            </a:r>
-            <a:r>
-              <a:rPr lang="en-US" dirty="0"/>
-              <a:t>)</a:t>
-            </a:r>
-          </a:p>
-          <a:p>
-            <a:pPr lvl="1"/>
-            <a:r>
-              <a:rPr lang="en-US" dirty="0"/>
-              <a:t>This is needed for visualization purposes</a:t>
-            </a:r>
-          </a:p>
-          <a:p>
-            <a:r>
-              <a:rPr lang="en-US" dirty="0"/>
-              <a:t>Continue mapping resource elements to DB fields</a:t>
-            </a:r>
-          </a:p>
-          <a:p>
-            <a:pPr lvl="1"/>
-            <a:r>
-              <a:rPr lang="en-US" dirty="0"/>
-              <a:t>Some dependency here on questions for CDC</a:t>
-            </a:r>
-          </a:p>
-          <a:p>
-            <a:pPr lvl="1"/>
-            <a:r>
-              <a:rPr lang="en-US" dirty="0"/>
-              <a:t>Other dependency is on support for observation resource</a:t>
-            </a:r>
-          </a:p>
-          <a:p>
-            <a:r>
-              <a:rPr lang="en-US" dirty="0"/>
-              <a:t>Look into new SQL create scripts to stand up more tables (stretch goal)</a:t>
-            </a:r>
-          </a:p>
-        </p:txBody>
-      </p:sp>
-    </p:spTree>
-    <p:extLst>
-      <p:ext uri="{BB962C8B-B14F-4D97-AF65-F5344CB8AC3E}">
-        <p14:creationId xmlns:p14="http://schemas.microsoft.com/office/powerpoint/2010/main" val="2013383900"/>
-      </p:ext>
-    </p:extLst>
-  </p:cSld>
-  <p:clrMapOvr>
-    <a:masterClrMapping/>
-  </p:clrMapOvr>
-  <p:timing>
-    <p:tnLst>
-      <p:par>
-        <p:cTn id="1" dur="indefinite" restart="never" nodeType="tmRoot">
-          <p:childTnLst>
-            <p:seq concurrent="1" nextAc="seek">
-              <p:cTn id="2" dur="indefinite" nodeType="mainSeq">
-                <p:childTnLst>
-                  <p:par>
-                    <p:cTn id="3" fill="hold">
-                      <p:stCondLst>
-                        <p:cond delay="indefinite"/>
-                      </p:stCondLst>
-                      <p:childTnLst>
-                        <p:par>
-                          <p:cTn id="4" fill="hold">
-                            <p:stCondLst>
-                              <p:cond delay="0"/>
-                            </p:stCondLst>
-                            <p:childTnLst>
                               <p:par>
-                                <p:cTn id="5" presetID="1" presetClass="entr" presetSubtype="0" fill="hold" grpId="0" nodeType="clickEffect">
+                                <p:cTn id="9" presetID="1" presetClass="entr" presetSubtype="0" fill="hold" grpId="0" nodeType="withEffect">
                                   <p:stCondLst>
                                     <p:cond delay="0"/>
                                   </p:stCondLst>
                                   <p:childTnLst>
                                     <p:set>
                                       <p:cBhvr>
-                                        <p:cTn id="6" dur="1" fill="hold">
-                                          <p:stCondLst>
-                                            <p:cond delay="0"/>
-                                          </p:stCondLst>
-                                        </p:cTn>
-                                        <p:tgtEl>
-                                          <p:spTgt spid="8">
-                                            <p:txEl>
-                                              <p:pRg st="0" end="0"/>
-                                            </p:txEl>
-                                          </p:spTgt>
-                                        </p:tgtEl>
-                                        <p:attrNameLst>
-                                          <p:attrName>style.visibility</p:attrName>
-                                        </p:attrNameLst>
-                                      </p:cBhvr>
-                                      <p:to>
-                                        <p:strVal val="visible"/>
-                                      </p:to>
-                                    </p:set>
-                                  </p:childTnLst>
-                                </p:cTn>
-                              </p:par>
-                              <p:par>
-                                <p:cTn id="7" presetID="1" presetClass="entr" presetSubtype="0" fill="hold" grpId="0" nodeType="withEffect">
-                                  <p:stCondLst>
-                                    <p:cond delay="0"/>
-                                  </p:stCondLst>
-                                  <p:childTnLst>
-                                    <p:set>
-                                      <p:cBhvr>
-                                        <p:cTn id="8" dur="1" fill="hold">
-                                          <p:stCondLst>
-                                            <p:cond delay="0"/>
-                                          </p:stCondLst>
-                                        </p:cTn>
-                                        <p:tgtEl>
-                                          <p:spTgt spid="8">
-                                            <p:txEl>
-                                              <p:pRg st="1" end="1"/>
-                                            </p:txEl>
-                                          </p:spTgt>
-                                        </p:tgtEl>
-                                        <p:attrNameLst>
-                                          <p:attrName>style.visibility</p:attrName>
-                                        </p:attrNameLst>
-                                      </p:cBhvr>
-                                      <p:to>
-                                        <p:strVal val="visible"/>
-                                      </p:to>
-                                    </p:set>
-                                  </p:childTnLst>
-                                </p:cTn>
-                              </p:par>
-                            </p:childTnLst>
-                          </p:cTn>
-                        </p:par>
-                      </p:childTnLst>
-                    </p:cTn>
-                  </p:par>
-                  <p:par>
-                    <p:cTn id="9" fill="hold">
-                      <p:stCondLst>
-                        <p:cond delay="indefinite"/>
-                      </p:stCondLst>
-                      <p:childTnLst>
-                        <p:par>
-                          <p:cTn id="10" fill="hold">
-                            <p:stCondLst>
-                              <p:cond delay="0"/>
-                            </p:stCondLst>
-                            <p:childTnLst>
-                              <p:par>
-                                <p:cTn id="11" presetID="1" presetClass="entr" presetSubtype="0" fill="hold" grpId="0" nodeType="clickEffect">
-                                  <p:stCondLst>
-                                    <p:cond delay="0"/>
-                                  </p:stCondLst>
-                                  <p:childTnLst>
-                                    <p:set>
-                                      <p:cBhvr>
-                                        <p:cTn id="12" dur="1" fill="hold">
+                                        <p:cTn id="10" dur="1" fill="hold">
                                           <p:stCondLst>
                                             <p:cond delay="0"/>
                                           </p:stCondLst>
@@ -6936,197 +7201,6 @@
                                           <p:spTgt spid="8">
                                             <p:txEl>
                                               <p:pRg st="2" end="2"/>
-                                            </p:txEl>
-                                          </p:spTgt>
-                                        </p:tgtEl>
-                                        <p:attrNameLst>
-                                          <p:attrName>style.visibility</p:attrName>
-                                        </p:attrNameLst>
-                                      </p:cBhvr>
-                                      <p:to>
-                                        <p:strVal val="visible"/>
-                                      </p:to>
-                                    </p:set>
-                                  </p:childTnLst>
-                                </p:cTn>
-                              </p:par>
-                              <p:par>
-                                <p:cTn id="13" presetID="1" presetClass="entr" presetSubtype="0" fill="hold" grpId="0" nodeType="withEffect">
-                                  <p:stCondLst>
-                                    <p:cond delay="0"/>
-                                  </p:stCondLst>
-                                  <p:childTnLst>
-                                    <p:set>
-                                      <p:cBhvr>
-                                        <p:cTn id="14" dur="1" fill="hold">
-                                          <p:stCondLst>
-                                            <p:cond delay="0"/>
-                                          </p:stCondLst>
-                                        </p:cTn>
-                                        <p:tgtEl>
-                                          <p:spTgt spid="8">
-                                            <p:txEl>
-                                              <p:pRg st="3" end="3"/>
-                                            </p:txEl>
-                                          </p:spTgt>
-                                        </p:tgtEl>
-                                        <p:attrNameLst>
-                                          <p:attrName>style.visibility</p:attrName>
-                                        </p:attrNameLst>
-                                      </p:cBhvr>
-                                      <p:to>
-                                        <p:strVal val="visible"/>
-                                      </p:to>
-                                    </p:set>
-                                  </p:childTnLst>
-                                </p:cTn>
-                              </p:par>
-                            </p:childTnLst>
-                          </p:cTn>
-                        </p:par>
-                      </p:childTnLst>
-                    </p:cTn>
-                  </p:par>
-                  <p:par>
-                    <p:cTn id="15" fill="hold">
-                      <p:stCondLst>
-                        <p:cond delay="indefinite"/>
-                      </p:stCondLst>
-                      <p:childTnLst>
-                        <p:par>
-                          <p:cTn id="16" fill="hold">
-                            <p:stCondLst>
-                              <p:cond delay="0"/>
-                            </p:stCondLst>
-                            <p:childTnLst>
-                              <p:par>
-                                <p:cTn id="17" presetID="1" presetClass="entr" presetSubtype="0" fill="hold" grpId="0" nodeType="clickEffect">
-                                  <p:stCondLst>
-                                    <p:cond delay="0"/>
-                                  </p:stCondLst>
-                                  <p:childTnLst>
-                                    <p:set>
-                                      <p:cBhvr>
-                                        <p:cTn id="18" dur="1" fill="hold">
-                                          <p:stCondLst>
-                                            <p:cond delay="0"/>
-                                          </p:stCondLst>
-                                        </p:cTn>
-                                        <p:tgtEl>
-                                          <p:spTgt spid="8">
-                                            <p:txEl>
-                                              <p:pRg st="4" end="4"/>
-                                            </p:txEl>
-                                          </p:spTgt>
-                                        </p:tgtEl>
-                                        <p:attrNameLst>
-                                          <p:attrName>style.visibility</p:attrName>
-                                        </p:attrNameLst>
-                                      </p:cBhvr>
-                                      <p:to>
-                                        <p:strVal val="visible"/>
-                                      </p:to>
-                                    </p:set>
-                                  </p:childTnLst>
-                                </p:cTn>
-                              </p:par>
-                              <p:par>
-                                <p:cTn id="19" presetID="1" presetClass="entr" presetSubtype="0" fill="hold" grpId="0" nodeType="withEffect">
-                                  <p:stCondLst>
-                                    <p:cond delay="0"/>
-                                  </p:stCondLst>
-                                  <p:childTnLst>
-                                    <p:set>
-                                      <p:cBhvr>
-                                        <p:cTn id="20" dur="1" fill="hold">
-                                          <p:stCondLst>
-                                            <p:cond delay="0"/>
-                                          </p:stCondLst>
-                                        </p:cTn>
-                                        <p:tgtEl>
-                                          <p:spTgt spid="8">
-                                            <p:txEl>
-                                              <p:pRg st="5" end="5"/>
-                                            </p:txEl>
-                                          </p:spTgt>
-                                        </p:tgtEl>
-                                        <p:attrNameLst>
-                                          <p:attrName>style.visibility</p:attrName>
-                                        </p:attrNameLst>
-                                      </p:cBhvr>
-                                      <p:to>
-                                        <p:strVal val="visible"/>
-                                      </p:to>
-                                    </p:set>
-                                  </p:childTnLst>
-                                </p:cTn>
-                              </p:par>
-                              <p:par>
-                                <p:cTn id="21" presetID="1" presetClass="entr" presetSubtype="0" fill="hold" grpId="0" nodeType="withEffect">
-                                  <p:stCondLst>
-                                    <p:cond delay="0"/>
-                                  </p:stCondLst>
-                                  <p:childTnLst>
-                                    <p:set>
-                                      <p:cBhvr>
-                                        <p:cTn id="22" dur="1" fill="hold">
-                                          <p:stCondLst>
-                                            <p:cond delay="0"/>
-                                          </p:stCondLst>
-                                        </p:cTn>
-                                        <p:tgtEl>
-                                          <p:spTgt spid="8">
-                                            <p:txEl>
-                                              <p:pRg st="6" end="6"/>
-                                            </p:txEl>
-                                          </p:spTgt>
-                                        </p:tgtEl>
-                                        <p:attrNameLst>
-                                          <p:attrName>style.visibility</p:attrName>
-                                        </p:attrNameLst>
-                                      </p:cBhvr>
-                                      <p:to>
-                                        <p:strVal val="visible"/>
-                                      </p:to>
-                                    </p:set>
-                                  </p:childTnLst>
-                                </p:cTn>
-                              </p:par>
-                            </p:childTnLst>
-                          </p:cTn>
-                        </p:par>
-                      </p:childTnLst>
-                    </p:cTn>
-                  </p:par>
-                  <p:par>
-                    <p:cTn id="23" fill="hold">
-                      <p:stCondLst>
-                        <p:cond delay="indefinite"/>
-                      </p:stCondLst>
-                      <p:childTnLst>
-                        <p:par>
-                          <p:cTn id="24" fill="hold">
-                            <p:stCondLst>
-                              <p:cond delay="0"/>
-                            </p:stCondLst>
-                            <p:childTnLst>
-                              <p:par>
-                                <p:cTn id="25" presetID="1" presetClass="entr" presetSubtype="0" fill="hold" grpId="0" nodeType="clickEffect">
-                                  <p:stCondLst>
-                                    <p:cond delay="0"/>
-                                  </p:stCondLst>
-                                  <p:childTnLst>
-                                    <p:set>
-                                      <p:cBhvr>
-                                        <p:cTn id="26" dur="1" fill="hold">
-                                          <p:stCondLst>
-                                            <p:cond delay="0"/>
-                                          </p:stCondLst>
-                                        </p:cTn>
-                                        <p:tgtEl>
-                                          <p:spTgt spid="8">
-                                            <p:txEl>
-                                              <p:pRg st="7" end="7"/>
                                             </p:txEl>
                                           </p:spTgt>
                                         </p:tgtEl>
@@ -7172,6 +7246,124 @@
       <p:bldP spid="8" grpId="0" build="p"/>
     </p:bldLst>
   </p:timing>
+</p:sld>
+</file>
+
+<file path=ppt/slides/slide9.xml><?xml version="1.0" encoding="utf-8"?>
+<p:sld xmlns:a="http://schemas.openxmlformats.org/drawingml/2006/main" xmlns:r="http://schemas.openxmlformats.org/officeDocument/2006/relationships" xmlns:p="http://schemas.openxmlformats.org/presentationml/2006/main">
+  <p:cSld>
+    <p:spTree>
+      <p:nvGrpSpPr>
+        <p:cNvPr id="1" name=""/>
+        <p:cNvGrpSpPr/>
+        <p:nvPr/>
+      </p:nvGrpSpPr>
+      <p:grpSpPr>
+        <a:xfrm>
+          <a:off x="0" y="0"/>
+          <a:ext cx="0" cy="0"/>
+          <a:chOff x="0" y="0"/>
+          <a:chExt cx="0" cy="0"/>
+        </a:xfrm>
+      </p:grpSpPr>
+      <p:sp>
+        <p:nvSpPr>
+          <p:cNvPr id="2" name="Title 1"/>
+          <p:cNvSpPr>
+            <a:spLocks noGrp="1"/>
+          </p:cNvSpPr>
+          <p:nvPr>
+            <p:ph type="title"/>
+          </p:nvPr>
+        </p:nvSpPr>
+        <p:spPr/>
+        <p:txBody>
+          <a:bodyPr>
+            <a:normAutofit/>
+          </a:bodyPr>
+          <a:lstStyle/>
+          <a:p>
+            <a:r>
+              <a:rPr lang="en-US"/>
+              <a:t>Project Plan Update</a:t>
+            </a:r>
+            <a:endParaRPr lang="en-US" dirty="0"/>
+          </a:p>
+        </p:txBody>
+      </p:sp>
+      <p:sp>
+        <p:nvSpPr>
+          <p:cNvPr id="10" name="Date Placeholder 5">
+            <a:extLst>
+              <a:ext uri="{FF2B5EF4-FFF2-40B4-BE49-F238E27FC236}">
+                <a16:creationId xmlns:a16="http://schemas.microsoft.com/office/drawing/2014/main" id="{D5C8633F-2DB9-7846-9636-7DEB43697DF4}"/>
+              </a:ext>
+            </a:extLst>
+          </p:cNvPr>
+          <p:cNvSpPr>
+            <a:spLocks noGrp="1"/>
+          </p:cNvSpPr>
+          <p:nvPr>
+            <p:ph type="dt" sz="half" idx="10"/>
+          </p:nvPr>
+        </p:nvSpPr>
+        <p:spPr>
+          <a:xfrm>
+            <a:off x="285750" y="5811838"/>
+            <a:ext cx="2057400" cy="365125"/>
+          </a:xfrm>
+        </p:spPr>
+        <p:txBody>
+          <a:bodyPr/>
+          <a:lstStyle/>
+          <a:p>
+            <a:r>
+              <a:rPr lang="en-US" dirty="0"/>
+              <a:t>11/14/2020</a:t>
+            </a:r>
+          </a:p>
+        </p:txBody>
+      </p:sp>
+      <p:pic>
+        <p:nvPicPr>
+          <p:cNvPr id="5" name="Picture 4">
+            <a:extLst>
+              <a:ext uri="{FF2B5EF4-FFF2-40B4-BE49-F238E27FC236}">
+                <a16:creationId xmlns:a16="http://schemas.microsoft.com/office/drawing/2014/main" id="{3FA2A077-F0C8-D043-85C8-F7473135E3EF}"/>
+              </a:ext>
+            </a:extLst>
+          </p:cNvPr>
+          <p:cNvPicPr>
+            <a:picLocks noChangeAspect="1"/>
+          </p:cNvPicPr>
+          <p:nvPr/>
+        </p:nvPicPr>
+        <p:blipFill>
+          <a:blip r:embed="rId3"/>
+          <a:stretch>
+            <a:fillRect/>
+          </a:stretch>
+        </p:blipFill>
+        <p:spPr>
+          <a:xfrm>
+            <a:off x="326983" y="1447800"/>
+            <a:ext cx="8436017" cy="4159043"/>
+          </a:xfrm>
+          <a:prstGeom prst="rect">
+            <a:avLst/>
+          </a:prstGeom>
+        </p:spPr>
+      </p:pic>
+    </p:spTree>
+    <p:extLst>
+      <p:ext uri="{BB962C8B-B14F-4D97-AF65-F5344CB8AC3E}">
+        <p14:creationId xmlns:p14="http://schemas.microsoft.com/office/powerpoint/2010/main" val="1057713199"/>
+      </p:ext>
+    </p:extLst>
+  </p:cSld>
+  <p:clrMapOvr>
+    <a:masterClrMapping/>
+  </p:clrMapOvr>
 </p:sld>
 </file>
 

--- a/collateral/Team 55 Sprint 6.pptx
+++ b/collateral/Team 55 Sprint 6.pptx
@@ -6,19 +6,18 @@
     <p:sldMasterId id="2147483680" r:id="rId2"/>
   </p:sldMasterIdLst>
   <p:notesMasterIdLst>
-    <p:notesMasterId r:id="rId13"/>
+    <p:notesMasterId r:id="rId12"/>
   </p:notesMasterIdLst>
   <p:sldIdLst>
     <p:sldId id="265" r:id="rId3"/>
-    <p:sldId id="273" r:id="rId4"/>
-    <p:sldId id="271" r:id="rId5"/>
-    <p:sldId id="263" r:id="rId6"/>
-    <p:sldId id="283" r:id="rId7"/>
+    <p:sldId id="283" r:id="rId4"/>
+    <p:sldId id="273" r:id="rId5"/>
+    <p:sldId id="271" r:id="rId6"/>
+    <p:sldId id="263" r:id="rId7"/>
     <p:sldId id="281" r:id="rId8"/>
     <p:sldId id="276" r:id="rId9"/>
     <p:sldId id="282" r:id="rId10"/>
     <p:sldId id="270" r:id="rId11"/>
-    <p:sldId id="280" r:id="rId12"/>
   </p:sldIdLst>
   <p:sldSz cx="9144000" cy="6858000" type="screen4x3"/>
   <p:notesSz cx="6858000" cy="9144000"/>
@@ -550,7 +549,7 @@
           <a:p>
             <a:fld id="{58C53205-88F7-494A-B204-E8144581CAEF}" type="slidenum">
               <a:rPr lang="en-US" smtClean="0"/>
-              <a:t>2</a:t>
+              <a:t>3</a:t>
             </a:fld>
             <a:endParaRPr lang="en-US"/>
           </a:p>
@@ -634,7 +633,7 @@
           <a:p>
             <a:fld id="{58C53205-88F7-494A-B204-E8144581CAEF}" type="slidenum">
               <a:rPr lang="en-US" smtClean="0"/>
-              <a:t>4</a:t>
+              <a:t>5</a:t>
             </a:fld>
             <a:endParaRPr lang="en-US"/>
           </a:p>
@@ -718,7 +717,7 @@
           <a:p>
             <a:fld id="{58C53205-88F7-494A-B204-E8144581CAEF}" type="slidenum">
               <a:rPr lang="en-US" smtClean="0"/>
-              <a:t>5</a:t>
+              <a:t>6</a:t>
             </a:fld>
             <a:endParaRPr lang="en-US"/>
           </a:p>
@@ -727,7 +726,7 @@
     </p:spTree>
     <p:extLst>
       <p:ext uri="{BB962C8B-B14F-4D97-AF65-F5344CB8AC3E}">
-        <p14:creationId xmlns:p14="http://schemas.microsoft.com/office/powerpoint/2010/main" val="3659220441"/>
+        <p14:creationId xmlns:p14="http://schemas.microsoft.com/office/powerpoint/2010/main" val="983410050"/>
       </p:ext>
     </p:extLst>
   </p:cSld>
@@ -802,7 +801,7 @@
           <a:p>
             <a:fld id="{58C53205-88F7-494A-B204-E8144581CAEF}" type="slidenum">
               <a:rPr lang="en-US" smtClean="0"/>
-              <a:t>6</a:t>
+              <a:t>7</a:t>
             </a:fld>
             <a:endParaRPr lang="en-US"/>
           </a:p>
@@ -811,7 +810,7 @@
     </p:spTree>
     <p:extLst>
       <p:ext uri="{BB962C8B-B14F-4D97-AF65-F5344CB8AC3E}">
-        <p14:creationId xmlns:p14="http://schemas.microsoft.com/office/powerpoint/2010/main" val="983410050"/>
+        <p14:creationId xmlns:p14="http://schemas.microsoft.com/office/powerpoint/2010/main" val="1121829227"/>
       </p:ext>
     </p:extLst>
   </p:cSld>
@@ -886,7 +885,7 @@
           <a:p>
             <a:fld id="{58C53205-88F7-494A-B204-E8144581CAEF}" type="slidenum">
               <a:rPr lang="en-US" smtClean="0"/>
-              <a:t>7</a:t>
+              <a:t>8</a:t>
             </a:fld>
             <a:endParaRPr lang="en-US"/>
           </a:p>
@@ -895,7 +894,7 @@
     </p:spTree>
     <p:extLst>
       <p:ext uri="{BB962C8B-B14F-4D97-AF65-F5344CB8AC3E}">
-        <p14:creationId xmlns:p14="http://schemas.microsoft.com/office/powerpoint/2010/main" val="1121829227"/>
+        <p14:creationId xmlns:p14="http://schemas.microsoft.com/office/powerpoint/2010/main" val="2696602961"/>
       </p:ext>
     </p:extLst>
   </p:cSld>
@@ -970,90 +969,6 @@
           <a:p>
             <a:fld id="{58C53205-88F7-494A-B204-E8144581CAEF}" type="slidenum">
               <a:rPr lang="en-US" smtClean="0"/>
-              <a:t>8</a:t>
-            </a:fld>
-            <a:endParaRPr lang="en-US"/>
-          </a:p>
-        </p:txBody>
-      </p:sp>
-    </p:spTree>
-    <p:extLst>
-      <p:ext uri="{BB962C8B-B14F-4D97-AF65-F5344CB8AC3E}">
-        <p14:creationId xmlns:p14="http://schemas.microsoft.com/office/powerpoint/2010/main" val="2696602961"/>
-      </p:ext>
-    </p:extLst>
-  </p:cSld>
-  <p:clrMapOvr>
-    <a:masterClrMapping/>
-  </p:clrMapOvr>
-</p:notes>
-</file>
-
-<file path=ppt/notesSlides/notesSlide7.xml><?xml version="1.0" encoding="utf-8"?>
-<p:notes xmlns:a="http://schemas.openxmlformats.org/drawingml/2006/main" xmlns:r="http://schemas.openxmlformats.org/officeDocument/2006/relationships" xmlns:p="http://schemas.openxmlformats.org/presentationml/2006/main">
-  <p:cSld>
-    <p:spTree>
-      <p:nvGrpSpPr>
-        <p:cNvPr id="1" name=""/>
-        <p:cNvGrpSpPr/>
-        <p:nvPr/>
-      </p:nvGrpSpPr>
-      <p:grpSpPr>
-        <a:xfrm>
-          <a:off x="0" y="0"/>
-          <a:ext cx="0" cy="0"/>
-          <a:chOff x="0" y="0"/>
-          <a:chExt cx="0" cy="0"/>
-        </a:xfrm>
-      </p:grpSpPr>
-      <p:sp>
-        <p:nvSpPr>
-          <p:cNvPr id="2" name="Slide Image Placeholder 1"/>
-          <p:cNvSpPr>
-            <a:spLocks noGrp="1" noRot="1" noChangeAspect="1"/>
-          </p:cNvSpPr>
-          <p:nvPr>
-            <p:ph type="sldImg"/>
-          </p:nvPr>
-        </p:nvSpPr>
-        <p:spPr/>
-      </p:sp>
-      <p:sp>
-        <p:nvSpPr>
-          <p:cNvPr id="3" name="Notes Placeholder 2"/>
-          <p:cNvSpPr>
-            <a:spLocks noGrp="1"/>
-          </p:cNvSpPr>
-          <p:nvPr>
-            <p:ph type="body" idx="1"/>
-          </p:nvPr>
-        </p:nvSpPr>
-        <p:spPr/>
-        <p:txBody>
-          <a:bodyPr/>
-          <a:lstStyle/>
-          <a:p>
-            <a:endParaRPr lang="en-US" dirty="0"/>
-          </a:p>
-        </p:txBody>
-      </p:sp>
-      <p:sp>
-        <p:nvSpPr>
-          <p:cNvPr id="4" name="Slide Number Placeholder 3"/>
-          <p:cNvSpPr>
-            <a:spLocks noGrp="1"/>
-          </p:cNvSpPr>
-          <p:nvPr>
-            <p:ph type="sldNum" sz="quarter" idx="5"/>
-          </p:nvPr>
-        </p:nvSpPr>
-        <p:spPr/>
-        <p:txBody>
-          <a:bodyPr/>
-          <a:lstStyle/>
-          <a:p>
-            <a:fld id="{58C53205-88F7-494A-B204-E8144581CAEF}" type="slidenum">
-              <a:rPr lang="en-US" smtClean="0"/>
               <a:t>9</a:t>
             </a:fld>
             <a:endParaRPr lang="en-US"/>
@@ -1064,90 +979,6 @@
     <p:extLst>
       <p:ext uri="{BB962C8B-B14F-4D97-AF65-F5344CB8AC3E}">
         <p14:creationId xmlns:p14="http://schemas.microsoft.com/office/powerpoint/2010/main" val="2287712303"/>
-      </p:ext>
-    </p:extLst>
-  </p:cSld>
-  <p:clrMapOvr>
-    <a:masterClrMapping/>
-  </p:clrMapOvr>
-</p:notes>
-</file>
-
-<file path=ppt/notesSlides/notesSlide8.xml><?xml version="1.0" encoding="utf-8"?>
-<p:notes xmlns:a="http://schemas.openxmlformats.org/drawingml/2006/main" xmlns:r="http://schemas.openxmlformats.org/officeDocument/2006/relationships" xmlns:p="http://schemas.openxmlformats.org/presentationml/2006/main">
-  <p:cSld>
-    <p:spTree>
-      <p:nvGrpSpPr>
-        <p:cNvPr id="1" name=""/>
-        <p:cNvGrpSpPr/>
-        <p:nvPr/>
-      </p:nvGrpSpPr>
-      <p:grpSpPr>
-        <a:xfrm>
-          <a:off x="0" y="0"/>
-          <a:ext cx="0" cy="0"/>
-          <a:chOff x="0" y="0"/>
-          <a:chExt cx="0" cy="0"/>
-        </a:xfrm>
-      </p:grpSpPr>
-      <p:sp>
-        <p:nvSpPr>
-          <p:cNvPr id="2" name="Slide Image Placeholder 1"/>
-          <p:cNvSpPr>
-            <a:spLocks noGrp="1" noRot="1" noChangeAspect="1"/>
-          </p:cNvSpPr>
-          <p:nvPr>
-            <p:ph type="sldImg"/>
-          </p:nvPr>
-        </p:nvSpPr>
-        <p:spPr/>
-      </p:sp>
-      <p:sp>
-        <p:nvSpPr>
-          <p:cNvPr id="3" name="Notes Placeholder 2"/>
-          <p:cNvSpPr>
-            <a:spLocks noGrp="1"/>
-          </p:cNvSpPr>
-          <p:nvPr>
-            <p:ph type="body" idx="1"/>
-          </p:nvPr>
-        </p:nvSpPr>
-        <p:spPr/>
-        <p:txBody>
-          <a:bodyPr/>
-          <a:lstStyle/>
-          <a:p>
-            <a:endParaRPr lang="en-US" dirty="0"/>
-          </a:p>
-        </p:txBody>
-      </p:sp>
-      <p:sp>
-        <p:nvSpPr>
-          <p:cNvPr id="4" name="Slide Number Placeholder 3"/>
-          <p:cNvSpPr>
-            <a:spLocks noGrp="1"/>
-          </p:cNvSpPr>
-          <p:nvPr>
-            <p:ph type="sldNum" sz="quarter" idx="5"/>
-          </p:nvPr>
-        </p:nvSpPr>
-        <p:spPr/>
-        <p:txBody>
-          <a:bodyPr/>
-          <a:lstStyle/>
-          <a:p>
-            <a:fld id="{58C53205-88F7-494A-B204-E8144581CAEF}" type="slidenum">
-              <a:rPr lang="en-US" smtClean="0"/>
-              <a:t>10</a:t>
-            </a:fld>
-            <a:endParaRPr lang="en-US"/>
-          </a:p>
-        </p:txBody>
-      </p:sp>
-    </p:spTree>
-    <p:extLst>
-      <p:ext uri="{BB962C8B-B14F-4D97-AF65-F5344CB8AC3E}">
-        <p14:creationId xmlns:p14="http://schemas.microsoft.com/office/powerpoint/2010/main" val="4006314443"/>
       </p:ext>
     </p:extLst>
   </p:cSld>
@@ -4812,472 +4643,6 @@
 </p:sld>
 </file>
 
-<file path=ppt/slides/slide10.xml><?xml version="1.0" encoding="utf-8"?>
-<p:sld xmlns:a="http://schemas.openxmlformats.org/drawingml/2006/main" xmlns:r="http://schemas.openxmlformats.org/officeDocument/2006/relationships" xmlns:p="http://schemas.openxmlformats.org/presentationml/2006/main">
-  <p:cSld>
-    <p:spTree>
-      <p:nvGrpSpPr>
-        <p:cNvPr id="1" name=""/>
-        <p:cNvGrpSpPr/>
-        <p:nvPr/>
-      </p:nvGrpSpPr>
-      <p:grpSpPr>
-        <a:xfrm>
-          <a:off x="0" y="0"/>
-          <a:ext cx="0" cy="0"/>
-          <a:chOff x="0" y="0"/>
-          <a:chExt cx="0" cy="0"/>
-        </a:xfrm>
-      </p:grpSpPr>
-      <p:sp>
-        <p:nvSpPr>
-          <p:cNvPr id="6" name="Date Placeholder 5"/>
-          <p:cNvSpPr>
-            <a:spLocks noGrp="1"/>
-          </p:cNvSpPr>
-          <p:nvPr>
-            <p:ph type="dt" sz="half" idx="10"/>
-          </p:nvPr>
-        </p:nvSpPr>
-        <p:spPr/>
-        <p:txBody>
-          <a:bodyPr/>
-          <a:lstStyle/>
-          <a:p>
-            <a:r>
-              <a:rPr lang="en-US" dirty="0"/>
-              <a:t>11/14/2020</a:t>
-            </a:r>
-          </a:p>
-        </p:txBody>
-      </p:sp>
-      <p:sp>
-        <p:nvSpPr>
-          <p:cNvPr id="5" name="Slide Number Placeholder 4"/>
-          <p:cNvSpPr>
-            <a:spLocks noGrp="1"/>
-          </p:cNvSpPr>
-          <p:nvPr>
-            <p:ph type="sldNum" sz="quarter" idx="12"/>
-          </p:nvPr>
-        </p:nvSpPr>
-        <p:spPr/>
-        <p:txBody>
-          <a:bodyPr/>
-          <a:lstStyle/>
-          <a:p>
-            <a:fld id="{079BB85F-8D7B-4121-93BF-56CC81854BC2}" type="slidenum">
-              <a:rPr lang="en-US" smtClean="0"/>
-              <a:pPr/>
-              <a:t>10</a:t>
-            </a:fld>
-            <a:endParaRPr lang="en-US" dirty="0"/>
-          </a:p>
-        </p:txBody>
-      </p:sp>
-      <p:sp>
-        <p:nvSpPr>
-          <p:cNvPr id="2" name="Title 1"/>
-          <p:cNvSpPr>
-            <a:spLocks noGrp="1"/>
-          </p:cNvSpPr>
-          <p:nvPr>
-            <p:ph type="title"/>
-          </p:nvPr>
-        </p:nvSpPr>
-        <p:spPr/>
-        <p:txBody>
-          <a:bodyPr>
-            <a:normAutofit/>
-          </a:bodyPr>
-          <a:lstStyle/>
-          <a:p>
-            <a:r>
-              <a:rPr lang="en-US" dirty="0"/>
-              <a:t>Plans for Future Weeks</a:t>
-            </a:r>
-          </a:p>
-        </p:txBody>
-      </p:sp>
-      <p:sp>
-        <p:nvSpPr>
-          <p:cNvPr id="8" name="Text Placeholder 2">
-            <a:extLst>
-              <a:ext uri="{FF2B5EF4-FFF2-40B4-BE49-F238E27FC236}">
-                <a16:creationId xmlns:a16="http://schemas.microsoft.com/office/drawing/2014/main" id="{F7D0033C-A53F-0C43-BFBC-D288919294CB}"/>
-              </a:ext>
-            </a:extLst>
-          </p:cNvPr>
-          <p:cNvSpPr>
-            <a:spLocks noGrp="1"/>
-          </p:cNvSpPr>
-          <p:nvPr>
-            <p:ph idx="1"/>
-          </p:nvPr>
-        </p:nvSpPr>
-        <p:spPr>
-          <a:xfrm>
-            <a:off x="285750" y="1215483"/>
-            <a:ext cx="8572500" cy="4596355"/>
-          </a:xfrm>
-        </p:spPr>
-        <p:txBody>
-          <a:bodyPr>
-            <a:normAutofit/>
-          </a:bodyPr>
-          <a:lstStyle/>
-          <a:p>
-            <a:r>
-              <a:rPr lang="en-US" dirty="0"/>
-              <a:t>Add support for observation resource</a:t>
-            </a:r>
-          </a:p>
-          <a:p>
-            <a:pPr lvl="1"/>
-            <a:r>
-              <a:rPr lang="en-US" dirty="0"/>
-              <a:t>This is needed for a few fields in the worker table</a:t>
-            </a:r>
-          </a:p>
-          <a:p>
-            <a:r>
-              <a:rPr lang="en-US" dirty="0"/>
-              <a:t>Find more data (either from CDC, FHIR servers, or generated via </a:t>
-            </a:r>
-            <a:r>
-              <a:rPr lang="en-US" dirty="0" err="1"/>
-              <a:t>Synthea</a:t>
-            </a:r>
-            <a:r>
-              <a:rPr lang="en-US" dirty="0"/>
-              <a:t>)</a:t>
-            </a:r>
-          </a:p>
-          <a:p>
-            <a:pPr lvl="1"/>
-            <a:r>
-              <a:rPr lang="en-US" dirty="0"/>
-              <a:t>This is needed for visualization purposes</a:t>
-            </a:r>
-          </a:p>
-          <a:p>
-            <a:r>
-              <a:rPr lang="en-US" dirty="0"/>
-              <a:t>Continue mapping resource elements to DB fields</a:t>
-            </a:r>
-          </a:p>
-          <a:p>
-            <a:r>
-              <a:rPr lang="en-US" dirty="0"/>
-              <a:t>Look into new SQL create scripts to stand up more tables (stretch goal)</a:t>
-            </a:r>
-          </a:p>
-        </p:txBody>
-      </p:sp>
-    </p:spTree>
-    <p:extLst>
-      <p:ext uri="{BB962C8B-B14F-4D97-AF65-F5344CB8AC3E}">
-        <p14:creationId xmlns:p14="http://schemas.microsoft.com/office/powerpoint/2010/main" val="2013383900"/>
-      </p:ext>
-    </p:extLst>
-  </p:cSld>
-  <p:clrMapOvr>
-    <a:masterClrMapping/>
-  </p:clrMapOvr>
-  <p:timing>
-    <p:tnLst>
-      <p:par>
-        <p:cTn id="1" dur="indefinite" restart="never" nodeType="tmRoot">
-          <p:childTnLst>
-            <p:seq concurrent="1" nextAc="seek">
-              <p:cTn id="2" dur="indefinite" nodeType="mainSeq">
-                <p:childTnLst>
-                  <p:par>
-                    <p:cTn id="3" fill="hold">
-                      <p:stCondLst>
-                        <p:cond delay="indefinite"/>
-                      </p:stCondLst>
-                      <p:childTnLst>
-                        <p:par>
-                          <p:cTn id="4" fill="hold">
-                            <p:stCondLst>
-                              <p:cond delay="0"/>
-                            </p:stCondLst>
-                            <p:childTnLst>
-                              <p:par>
-                                <p:cTn id="5" presetID="1" presetClass="entr" presetSubtype="0" fill="hold" grpId="0" nodeType="clickEffect">
-                                  <p:stCondLst>
-                                    <p:cond delay="0"/>
-                                  </p:stCondLst>
-                                  <p:childTnLst>
-                                    <p:set>
-                                      <p:cBhvr>
-                                        <p:cTn id="6" dur="1" fill="hold">
-                                          <p:stCondLst>
-                                            <p:cond delay="0"/>
-                                          </p:stCondLst>
-                                        </p:cTn>
-                                        <p:tgtEl>
-                                          <p:spTgt spid="8">
-                                            <p:txEl>
-                                              <p:pRg st="0" end="0"/>
-                                            </p:txEl>
-                                          </p:spTgt>
-                                        </p:tgtEl>
-                                        <p:attrNameLst>
-                                          <p:attrName>style.visibility</p:attrName>
-                                        </p:attrNameLst>
-                                      </p:cBhvr>
-                                      <p:to>
-                                        <p:strVal val="visible"/>
-                                      </p:to>
-                                    </p:set>
-                                  </p:childTnLst>
-                                </p:cTn>
-                              </p:par>
-                              <p:par>
-                                <p:cTn id="7" presetID="1" presetClass="entr" presetSubtype="0" fill="hold" grpId="0" nodeType="withEffect">
-                                  <p:stCondLst>
-                                    <p:cond delay="0"/>
-                                  </p:stCondLst>
-                                  <p:childTnLst>
-                                    <p:set>
-                                      <p:cBhvr>
-                                        <p:cTn id="8" dur="1" fill="hold">
-                                          <p:stCondLst>
-                                            <p:cond delay="0"/>
-                                          </p:stCondLst>
-                                        </p:cTn>
-                                        <p:tgtEl>
-                                          <p:spTgt spid="8">
-                                            <p:txEl>
-                                              <p:pRg st="1" end="1"/>
-                                            </p:txEl>
-                                          </p:spTgt>
-                                        </p:tgtEl>
-                                        <p:attrNameLst>
-                                          <p:attrName>style.visibility</p:attrName>
-                                        </p:attrNameLst>
-                                      </p:cBhvr>
-                                      <p:to>
-                                        <p:strVal val="visible"/>
-                                      </p:to>
-                                    </p:set>
-                                  </p:childTnLst>
-                                </p:cTn>
-                              </p:par>
-                            </p:childTnLst>
-                          </p:cTn>
-                        </p:par>
-                      </p:childTnLst>
-                    </p:cTn>
-                  </p:par>
-                  <p:par>
-                    <p:cTn id="9" fill="hold">
-                      <p:stCondLst>
-                        <p:cond delay="indefinite"/>
-                      </p:stCondLst>
-                      <p:childTnLst>
-                        <p:par>
-                          <p:cTn id="10" fill="hold">
-                            <p:stCondLst>
-                              <p:cond delay="0"/>
-                            </p:stCondLst>
-                            <p:childTnLst>
-                              <p:par>
-                                <p:cTn id="11" presetID="1" presetClass="entr" presetSubtype="0" fill="hold" grpId="0" nodeType="clickEffect">
-                                  <p:stCondLst>
-                                    <p:cond delay="0"/>
-                                  </p:stCondLst>
-                                  <p:childTnLst>
-                                    <p:set>
-                                      <p:cBhvr>
-                                        <p:cTn id="12" dur="1" fill="hold">
-                                          <p:stCondLst>
-                                            <p:cond delay="0"/>
-                                          </p:stCondLst>
-                                        </p:cTn>
-                                        <p:tgtEl>
-                                          <p:spTgt spid="8">
-                                            <p:txEl>
-                                              <p:pRg st="2" end="2"/>
-                                            </p:txEl>
-                                          </p:spTgt>
-                                        </p:tgtEl>
-                                        <p:attrNameLst>
-                                          <p:attrName>style.visibility</p:attrName>
-                                        </p:attrNameLst>
-                                      </p:cBhvr>
-                                      <p:to>
-                                        <p:strVal val="visible"/>
-                                      </p:to>
-                                    </p:set>
-                                  </p:childTnLst>
-                                </p:cTn>
-                              </p:par>
-                              <p:par>
-                                <p:cTn id="13" presetID="1" presetClass="entr" presetSubtype="0" fill="hold" grpId="0" nodeType="withEffect">
-                                  <p:stCondLst>
-                                    <p:cond delay="0"/>
-                                  </p:stCondLst>
-                                  <p:childTnLst>
-                                    <p:set>
-                                      <p:cBhvr>
-                                        <p:cTn id="14" dur="1" fill="hold">
-                                          <p:stCondLst>
-                                            <p:cond delay="0"/>
-                                          </p:stCondLst>
-                                        </p:cTn>
-                                        <p:tgtEl>
-                                          <p:spTgt spid="8">
-                                            <p:txEl>
-                                              <p:pRg st="3" end="3"/>
-                                            </p:txEl>
-                                          </p:spTgt>
-                                        </p:tgtEl>
-                                        <p:attrNameLst>
-                                          <p:attrName>style.visibility</p:attrName>
-                                        </p:attrNameLst>
-                                      </p:cBhvr>
-                                      <p:to>
-                                        <p:strVal val="visible"/>
-                                      </p:to>
-                                    </p:set>
-                                  </p:childTnLst>
-                                </p:cTn>
-                              </p:par>
-                            </p:childTnLst>
-                          </p:cTn>
-                        </p:par>
-                      </p:childTnLst>
-                    </p:cTn>
-                  </p:par>
-                  <p:par>
-                    <p:cTn id="15" fill="hold">
-                      <p:stCondLst>
-                        <p:cond delay="indefinite"/>
-                      </p:stCondLst>
-                      <p:childTnLst>
-                        <p:par>
-                          <p:cTn id="16" fill="hold">
-                            <p:stCondLst>
-                              <p:cond delay="0"/>
-                            </p:stCondLst>
-                            <p:childTnLst>
-                              <p:par>
-                                <p:cTn id="17" presetID="1" presetClass="entr" presetSubtype="0" fill="hold" grpId="0" nodeType="clickEffect">
-                                  <p:stCondLst>
-                                    <p:cond delay="0"/>
-                                  </p:stCondLst>
-                                  <p:childTnLst>
-                                    <p:set>
-                                      <p:cBhvr>
-                                        <p:cTn id="18" dur="1" fill="hold">
-                                          <p:stCondLst>
-                                            <p:cond delay="0"/>
-                                          </p:stCondLst>
-                                        </p:cTn>
-                                        <p:tgtEl>
-                                          <p:spTgt spid="8">
-                                            <p:txEl>
-                                              <p:pRg st="4" end="4"/>
-                                            </p:txEl>
-                                          </p:spTgt>
-                                        </p:tgtEl>
-                                        <p:attrNameLst>
-                                          <p:attrName>style.visibility</p:attrName>
-                                        </p:attrNameLst>
-                                      </p:cBhvr>
-                                      <p:to>
-                                        <p:strVal val="visible"/>
-                                      </p:to>
-                                    </p:set>
-                                  </p:childTnLst>
-                                </p:cTn>
-                              </p:par>
-                            </p:childTnLst>
-                          </p:cTn>
-                        </p:par>
-                      </p:childTnLst>
-                    </p:cTn>
-                  </p:par>
-                  <p:par>
-                    <p:cTn id="19" fill="hold">
-                      <p:stCondLst>
-                        <p:cond delay="indefinite"/>
-                      </p:stCondLst>
-                      <p:childTnLst>
-                        <p:par>
-                          <p:cTn id="20" fill="hold">
-                            <p:stCondLst>
-                              <p:cond delay="0"/>
-                            </p:stCondLst>
-                            <p:childTnLst>
-                              <p:par>
-                                <p:cTn id="21" presetID="1" presetClass="entr" presetSubtype="0" fill="hold" grpId="0" nodeType="clickEffect">
-                                  <p:stCondLst>
-                                    <p:cond delay="0"/>
-                                  </p:stCondLst>
-                                  <p:childTnLst>
-                                    <p:set>
-                                      <p:cBhvr>
-                                        <p:cTn id="22" dur="1" fill="hold">
-                                          <p:stCondLst>
-                                            <p:cond delay="0"/>
-                                          </p:stCondLst>
-                                        </p:cTn>
-                                        <p:tgtEl>
-                                          <p:spTgt spid="8">
-                                            <p:txEl>
-                                              <p:pRg st="5" end="5"/>
-                                            </p:txEl>
-                                          </p:spTgt>
-                                        </p:tgtEl>
-                                        <p:attrNameLst>
-                                          <p:attrName>style.visibility</p:attrName>
-                                        </p:attrNameLst>
-                                      </p:cBhvr>
-                                      <p:to>
-                                        <p:strVal val="visible"/>
-                                      </p:to>
-                                    </p:set>
-                                  </p:childTnLst>
-                                </p:cTn>
-                              </p:par>
-                            </p:childTnLst>
-                          </p:cTn>
-                        </p:par>
-                      </p:childTnLst>
-                    </p:cTn>
-                  </p:par>
-                </p:childTnLst>
-              </p:cTn>
-              <p:prevCondLst>
-                <p:cond evt="onPrev" delay="0">
-                  <p:tgtEl>
-                    <p:sldTgt/>
-                  </p:tgtEl>
-                </p:cond>
-              </p:prevCondLst>
-              <p:nextCondLst>
-                <p:cond evt="onNext" delay="0">
-                  <p:tgtEl>
-                    <p:sldTgt/>
-                  </p:tgtEl>
-                </p:cond>
-              </p:nextCondLst>
-            </p:seq>
-          </p:childTnLst>
-        </p:cTn>
-      </p:par>
-    </p:tnLst>
-    <p:bldLst>
-      <p:bldP spid="8" grpId="0" build="p"/>
-    </p:bldLst>
-  </p:timing>
-</p:sld>
-</file>
-
 <file path=ppt/slides/slide2.xml><?xml version="1.0" encoding="utf-8"?>
 <p:sld xmlns:a="http://schemas.openxmlformats.org/drawingml/2006/main" xmlns:r="http://schemas.openxmlformats.org/officeDocument/2006/relationships" xmlns:p="http://schemas.openxmlformats.org/presentationml/2006/main">
   <p:cSld>
@@ -5297,222 +4662,113 @@
       </p:grpSpPr>
       <p:sp>
         <p:nvSpPr>
-          <p:cNvPr id="2" name="Title 1">
+          <p:cNvPr id="6" name="Date Placeholder 5"/>
+          <p:cNvSpPr>
+            <a:spLocks noGrp="1"/>
+          </p:cNvSpPr>
+          <p:nvPr>
+            <p:ph type="dt" sz="half" idx="10"/>
+          </p:nvPr>
+        </p:nvSpPr>
+        <p:spPr/>
+        <p:txBody>
+          <a:bodyPr/>
+          <a:lstStyle/>
+          <a:p>
+            <a:r>
+              <a:rPr lang="en-US" dirty="0"/>
+              <a:t>11/14/2020</a:t>
+            </a:r>
+          </a:p>
+        </p:txBody>
+      </p:sp>
+      <p:sp>
+        <p:nvSpPr>
+          <p:cNvPr id="5" name="Slide Number Placeholder 4"/>
+          <p:cNvSpPr>
+            <a:spLocks noGrp="1"/>
+          </p:cNvSpPr>
+          <p:nvPr>
+            <p:ph type="sldNum" sz="quarter" idx="12"/>
+          </p:nvPr>
+        </p:nvSpPr>
+        <p:spPr/>
+        <p:txBody>
+          <a:bodyPr/>
+          <a:lstStyle/>
+          <a:p>
+            <a:fld id="{079BB85F-8D7B-4121-93BF-56CC81854BC2}" type="slidenum">
+              <a:rPr lang="en-US" smtClean="0"/>
+              <a:pPr/>
+              <a:t>2</a:t>
+            </a:fld>
+            <a:endParaRPr lang="en-US" dirty="0"/>
+          </a:p>
+        </p:txBody>
+      </p:sp>
+      <p:sp>
+        <p:nvSpPr>
+          <p:cNvPr id="2" name="Title 1"/>
+          <p:cNvSpPr>
+            <a:spLocks noGrp="1"/>
+          </p:cNvSpPr>
+          <p:nvPr>
+            <p:ph type="title"/>
+          </p:nvPr>
+        </p:nvSpPr>
+        <p:spPr/>
+        <p:txBody>
+          <a:bodyPr/>
+          <a:lstStyle/>
+          <a:p>
+            <a:r>
+              <a:rPr lang="en-US" dirty="0"/>
+              <a:t>Presentation Link</a:t>
+            </a:r>
+          </a:p>
+        </p:txBody>
+      </p:sp>
+      <p:sp>
+        <p:nvSpPr>
+          <p:cNvPr id="3" name="Rectangle 2">
             <a:extLst>
               <a:ext uri="{FF2B5EF4-FFF2-40B4-BE49-F238E27FC236}">
-                <a16:creationId xmlns:a16="http://schemas.microsoft.com/office/drawing/2014/main" id="{64EEBB33-D2D8-2E4B-91AC-5E9981251D09}"/>
+                <a16:creationId xmlns:a16="http://schemas.microsoft.com/office/drawing/2014/main" id="{1036F6F5-1DFB-7642-B61F-E870CAA24588}"/>
               </a:ext>
             </a:extLst>
           </p:cNvPr>
-          <p:cNvSpPr>
-            <a:spLocks noGrp="1"/>
-          </p:cNvSpPr>
-          <p:nvPr>
-            <p:ph type="title"/>
-          </p:nvPr>
-        </p:nvSpPr>
-        <p:spPr/>
-        <p:txBody>
-          <a:bodyPr/>
-          <a:lstStyle/>
-          <a:p>
-            <a:r>
-              <a:rPr lang="en-US" dirty="0"/>
-              <a:t>Team 55: Personnel</a:t>
-            </a:r>
-          </a:p>
-        </p:txBody>
-      </p:sp>
-      <p:sp>
-        <p:nvSpPr>
-          <p:cNvPr id="3" name="Content Placeholder 2">
-            <a:extLst>
-              <a:ext uri="{FF2B5EF4-FFF2-40B4-BE49-F238E27FC236}">
-                <a16:creationId xmlns:a16="http://schemas.microsoft.com/office/drawing/2014/main" id="{CC19814E-4064-2244-8937-DE2CB9A8BF6B}"/>
-              </a:ext>
-            </a:extLst>
-          </p:cNvPr>
-          <p:cNvSpPr>
-            <a:spLocks noGrp="1"/>
-          </p:cNvSpPr>
-          <p:nvPr>
-            <p:ph sz="half" idx="1"/>
-          </p:nvPr>
-        </p:nvSpPr>
-        <p:spPr/>
-        <p:txBody>
-          <a:bodyPr/>
-          <a:lstStyle/>
-          <a:p>
-            <a:pPr marL="0" indent="0">
-              <a:buNone/>
-            </a:pPr>
-            <a:r>
-              <a:rPr lang="en-US" dirty="0"/>
-              <a:t>Team 55 Members:</a:t>
-            </a:r>
-          </a:p>
-          <a:p>
-            <a:r>
-              <a:rPr lang="en-US" dirty="0"/>
-              <a:t>James Davis</a:t>
-            </a:r>
-          </a:p>
-          <a:p>
-            <a:r>
-              <a:rPr lang="en-US" dirty="0" err="1"/>
-              <a:t>Haolong</a:t>
-            </a:r>
-            <a:r>
-              <a:rPr lang="en-US" dirty="0"/>
-              <a:t> Yan</a:t>
-            </a:r>
-          </a:p>
-          <a:p>
-            <a:r>
-              <a:rPr lang="en-US" dirty="0"/>
-              <a:t>Rahul </a:t>
-            </a:r>
-            <a:r>
-              <a:rPr lang="en-US" dirty="0" err="1"/>
-              <a:t>Nowlakha</a:t>
-            </a:r>
-            <a:endParaRPr lang="en-US" dirty="0"/>
-          </a:p>
-          <a:p>
-            <a:r>
-              <a:rPr lang="en-US" dirty="0"/>
-              <a:t>Joe </a:t>
-            </a:r>
-            <a:r>
-              <a:rPr lang="en-US" dirty="0" err="1"/>
-              <a:t>Kurokawa</a:t>
-            </a:r>
-            <a:endParaRPr lang="en-US" dirty="0"/>
-          </a:p>
-          <a:p>
-            <a:r>
-              <a:rPr lang="en-US" dirty="0"/>
-              <a:t>Traver Clifford</a:t>
-            </a:r>
-          </a:p>
-          <a:p>
-            <a:r>
-              <a:rPr lang="en-US" dirty="0"/>
-              <a:t>Eric </a:t>
-            </a:r>
-            <a:r>
-              <a:rPr lang="en-US" dirty="0" err="1"/>
-              <a:t>Mammoser</a:t>
-            </a:r>
-            <a:endParaRPr lang="en-US" baseline="30000" dirty="0"/>
-          </a:p>
-          <a:p>
-            <a:pPr marL="0" indent="0">
-              <a:buNone/>
-            </a:pPr>
-            <a:endParaRPr lang="en-US" dirty="0"/>
-          </a:p>
-        </p:txBody>
-      </p:sp>
-      <p:sp>
-        <p:nvSpPr>
-          <p:cNvPr id="4" name="Content Placeholder 3">
-            <a:extLst>
-              <a:ext uri="{FF2B5EF4-FFF2-40B4-BE49-F238E27FC236}">
-                <a16:creationId xmlns:a16="http://schemas.microsoft.com/office/drawing/2014/main" id="{ABCF98DE-C1CC-624E-9CB5-306BC288215C}"/>
-              </a:ext>
-            </a:extLst>
-          </p:cNvPr>
-          <p:cNvSpPr>
-            <a:spLocks noGrp="1"/>
-          </p:cNvSpPr>
-          <p:nvPr>
-            <p:ph sz="half" idx="2"/>
-          </p:nvPr>
-        </p:nvSpPr>
-        <p:spPr/>
-        <p:txBody>
-          <a:bodyPr/>
-          <a:lstStyle/>
-          <a:p>
-            <a:pPr marL="0" indent="0">
-              <a:buNone/>
-            </a:pPr>
-            <a:r>
-              <a:rPr lang="en-US" dirty="0"/>
-              <a:t>CDC Mentors:</a:t>
-            </a:r>
-          </a:p>
-          <a:p>
-            <a:r>
-              <a:rPr lang="en-US" dirty="0"/>
-              <a:t>Jill Raudabaugh</a:t>
-            </a:r>
-          </a:p>
-          <a:p>
-            <a:r>
-              <a:rPr lang="en-US" dirty="0"/>
-              <a:t>Breanna Newton</a:t>
-            </a:r>
-          </a:p>
-          <a:p>
-            <a:endParaRPr lang="en-US" dirty="0"/>
-          </a:p>
-          <a:p>
-            <a:pPr marL="0" indent="0">
-              <a:buNone/>
-            </a:pPr>
-            <a:r>
-              <a:rPr lang="en-US" dirty="0"/>
-              <a:t>GT Mentor:</a:t>
-            </a:r>
-          </a:p>
-          <a:p>
-            <a:r>
-              <a:rPr lang="en-US" dirty="0"/>
-              <a:t>Elizabeth Shivers</a:t>
-            </a:r>
-          </a:p>
-        </p:txBody>
-      </p:sp>
-      <p:sp>
-        <p:nvSpPr>
-          <p:cNvPr id="5" name="Date Placeholder 5">
-            <a:extLst>
-              <a:ext uri="{FF2B5EF4-FFF2-40B4-BE49-F238E27FC236}">
-                <a16:creationId xmlns:a16="http://schemas.microsoft.com/office/drawing/2014/main" id="{F1109D1E-F667-0449-BEB2-529D4C2825E6}"/>
-              </a:ext>
-            </a:extLst>
-          </p:cNvPr>
-          <p:cNvSpPr>
-            <a:spLocks noGrp="1"/>
-          </p:cNvSpPr>
-          <p:nvPr>
-            <p:ph type="dt" sz="half" idx="10"/>
-          </p:nvPr>
+          <p:cNvSpPr/>
+          <p:nvPr/>
         </p:nvSpPr>
         <p:spPr>
           <a:xfrm>
-            <a:off x="285750" y="5811838"/>
-            <a:ext cx="2057400" cy="365125"/>
+            <a:off x="1931766" y="3124200"/>
+            <a:ext cx="5078634" cy="523220"/>
           </a:xfrm>
+          <a:prstGeom prst="rect">
+            <a:avLst/>
+          </a:prstGeom>
         </p:spPr>
         <p:txBody>
-          <a:bodyPr/>
-          <a:lstStyle/>
-          <a:p>
-            <a:r>
-              <a:rPr lang="en-US" dirty="0"/>
-              <a:t>11/14/2020</a:t>
-            </a:r>
+          <a:bodyPr wrap="none">
+            <a:spAutoFit/>
+          </a:bodyPr>
+          <a:lstStyle/>
+          <a:p>
+            <a:r>
+              <a:rPr lang="en-US" sz="2800" dirty="0">
+                <a:hlinkClick r:id="rId2"/>
+              </a:rPr>
+              <a:t>https://youtu.be/nYhgNS4fXwg</a:t>
+            </a:r>
+            <a:endParaRPr lang="en-US" sz="2800" dirty="0"/>
           </a:p>
         </p:txBody>
       </p:sp>
     </p:spTree>
     <p:extLst>
       <p:ext uri="{BB962C8B-B14F-4D97-AF65-F5344CB8AC3E}">
-        <p14:creationId xmlns:p14="http://schemas.microsoft.com/office/powerpoint/2010/main" val="4033145866"/>
+        <p14:creationId xmlns:p14="http://schemas.microsoft.com/office/powerpoint/2010/main" val="3424511239"/>
       </p:ext>
     </p:extLst>
   </p:cSld>
@@ -5541,79 +4797,194 @@
       </p:grpSpPr>
       <p:sp>
         <p:nvSpPr>
-          <p:cNvPr id="3" name="Text Placeholder 2"/>
-          <p:cNvSpPr>
-            <a:spLocks noGrp="1"/>
-          </p:cNvSpPr>
-          <p:nvPr>
-            <p:ph idx="1"/>
+          <p:cNvPr id="2" name="Title 1">
+            <a:extLst>
+              <a:ext uri="{FF2B5EF4-FFF2-40B4-BE49-F238E27FC236}">
+                <a16:creationId xmlns:a16="http://schemas.microsoft.com/office/drawing/2014/main" id="{64EEBB33-D2D8-2E4B-91AC-5E9981251D09}"/>
+              </a:ext>
+            </a:extLst>
+          </p:cNvPr>
+          <p:cNvSpPr>
+            <a:spLocks noGrp="1"/>
+          </p:cNvSpPr>
+          <p:nvPr>
+            <p:ph type="title"/>
           </p:nvPr>
         </p:nvSpPr>
         <p:spPr/>
         <p:txBody>
-          <a:bodyPr>
-            <a:normAutofit/>
-          </a:bodyPr>
-          <a:lstStyle/>
-          <a:p>
-            <a:r>
-              <a:rPr lang="en-US" dirty="0"/>
-              <a:t>NDJSON Update</a:t>
-            </a:r>
-          </a:p>
-          <a:p>
-            <a:r>
-              <a:rPr lang="en-US" dirty="0"/>
-              <a:t>DB Update</a:t>
-            </a:r>
-          </a:p>
-          <a:p>
-            <a:r>
-              <a:rPr lang="en-US" dirty="0"/>
-              <a:t>QA Update</a:t>
-            </a:r>
-          </a:p>
-          <a:p>
-            <a:r>
-              <a:rPr lang="en-US" dirty="0"/>
-              <a:t>Visualization Update</a:t>
-            </a:r>
-          </a:p>
-          <a:p>
-            <a:r>
-              <a:rPr lang="en-US" dirty="0"/>
-              <a:t>Project Screenshots</a:t>
-            </a:r>
-          </a:p>
-          <a:p>
-            <a:r>
-              <a:rPr lang="en-US" dirty="0"/>
-              <a:t>Project Plan Update</a:t>
-            </a:r>
-          </a:p>
-          <a:p>
-            <a:r>
-              <a:rPr lang="en-US" dirty="0"/>
-              <a:t>Project Plan Details</a:t>
-            </a:r>
-          </a:p>
-          <a:p>
-            <a:r>
-              <a:rPr lang="en-US" dirty="0"/>
-              <a:t>Plans for Upcoming Weeks</a:t>
-            </a:r>
-          </a:p>
-          <a:p>
+          <a:bodyPr/>
+          <a:lstStyle/>
+          <a:p>
+            <a:r>
+              <a:rPr lang="en-US" dirty="0"/>
+              <a:t>Team 55: Personnel</a:t>
+            </a:r>
+          </a:p>
+        </p:txBody>
+      </p:sp>
+      <p:sp>
+        <p:nvSpPr>
+          <p:cNvPr id="3" name="Content Placeholder 2">
+            <a:extLst>
+              <a:ext uri="{FF2B5EF4-FFF2-40B4-BE49-F238E27FC236}">
+                <a16:creationId xmlns:a16="http://schemas.microsoft.com/office/drawing/2014/main" id="{CC19814E-4064-2244-8937-DE2CB9A8BF6B}"/>
+              </a:ext>
+            </a:extLst>
+          </p:cNvPr>
+          <p:cNvSpPr>
+            <a:spLocks noGrp="1"/>
+          </p:cNvSpPr>
+          <p:nvPr>
+            <p:ph sz="half" idx="1"/>
+          </p:nvPr>
+        </p:nvSpPr>
+        <p:spPr/>
+        <p:txBody>
+          <a:bodyPr/>
+          <a:lstStyle/>
+          <a:p>
+            <a:pPr marL="0" indent="0">
+              <a:buNone/>
+            </a:pPr>
+            <a:r>
+              <a:rPr lang="en-US" dirty="0"/>
+              <a:t>Team 55 Members:</a:t>
+            </a:r>
+          </a:p>
+          <a:p>
+            <a:r>
+              <a:rPr lang="en-US" dirty="0"/>
+              <a:t>James Davis</a:t>
+            </a:r>
+          </a:p>
+          <a:p>
+            <a:r>
+              <a:rPr lang="en-US" dirty="0" err="1"/>
+              <a:t>Haolong</a:t>
+            </a:r>
+            <a:r>
+              <a:rPr lang="en-US" dirty="0"/>
+              <a:t> Yan</a:t>
+            </a:r>
+          </a:p>
+          <a:p>
+            <a:r>
+              <a:rPr lang="en-US" dirty="0"/>
+              <a:t>Rahul </a:t>
+            </a:r>
+            <a:r>
+              <a:rPr lang="en-US" dirty="0" err="1"/>
+              <a:t>Nowlakha</a:t>
+            </a:r>
             <a:endParaRPr lang="en-US" dirty="0"/>
           </a:p>
           <a:p>
+            <a:r>
+              <a:rPr lang="en-US" dirty="0"/>
+              <a:t>Joe </a:t>
+            </a:r>
+            <a:r>
+              <a:rPr lang="en-US" dirty="0" err="1"/>
+              <a:t>Kurokawa</a:t>
+            </a:r>
             <a:endParaRPr lang="en-US" dirty="0"/>
           </a:p>
-        </p:txBody>
-      </p:sp>
-      <p:sp>
-        <p:nvSpPr>
-          <p:cNvPr id="6" name="Date Placeholder 5"/>
+          <a:p>
+            <a:r>
+              <a:rPr lang="en-US" dirty="0"/>
+              <a:t>Traver Clifford</a:t>
+            </a:r>
+          </a:p>
+          <a:p>
+            <a:r>
+              <a:rPr lang="en-US" dirty="0"/>
+              <a:t>Eric </a:t>
+            </a:r>
+            <a:r>
+              <a:rPr lang="en-US" dirty="0" err="1"/>
+              <a:t>Mammoser</a:t>
+            </a:r>
+            <a:endParaRPr lang="en-US" baseline="30000" dirty="0"/>
+          </a:p>
+          <a:p>
+            <a:pPr marL="0" indent="0">
+              <a:buNone/>
+            </a:pPr>
+            <a:endParaRPr lang="en-US" dirty="0"/>
+          </a:p>
+        </p:txBody>
+      </p:sp>
+      <p:sp>
+        <p:nvSpPr>
+          <p:cNvPr id="4" name="Content Placeholder 3">
+            <a:extLst>
+              <a:ext uri="{FF2B5EF4-FFF2-40B4-BE49-F238E27FC236}">
+                <a16:creationId xmlns:a16="http://schemas.microsoft.com/office/drawing/2014/main" id="{ABCF98DE-C1CC-624E-9CB5-306BC288215C}"/>
+              </a:ext>
+            </a:extLst>
+          </p:cNvPr>
+          <p:cNvSpPr>
+            <a:spLocks noGrp="1"/>
+          </p:cNvSpPr>
+          <p:nvPr>
+            <p:ph sz="half" idx="2"/>
+          </p:nvPr>
+        </p:nvSpPr>
+        <p:spPr/>
+        <p:txBody>
+          <a:bodyPr/>
+          <a:lstStyle/>
+          <a:p>
+            <a:pPr marL="0" indent="0">
+              <a:buNone/>
+            </a:pPr>
+            <a:r>
+              <a:rPr lang="en-US" dirty="0"/>
+              <a:t>CDC Mentors:</a:t>
+            </a:r>
+          </a:p>
+          <a:p>
+            <a:r>
+              <a:rPr lang="en-US" dirty="0"/>
+              <a:t>Jill Raudabaugh</a:t>
+            </a:r>
+          </a:p>
+          <a:p>
+            <a:r>
+              <a:rPr lang="en-US" dirty="0"/>
+              <a:t>Breanna Newton</a:t>
+            </a:r>
+          </a:p>
+          <a:p>
+            <a:endParaRPr lang="en-US" dirty="0"/>
+          </a:p>
+          <a:p>
+            <a:pPr marL="0" indent="0">
+              <a:buNone/>
+            </a:pPr>
+            <a:r>
+              <a:rPr lang="en-US" dirty="0"/>
+              <a:t>GT Mentor:</a:t>
+            </a:r>
+          </a:p>
+          <a:p>
+            <a:r>
+              <a:rPr lang="en-US" dirty="0"/>
+              <a:t>Elizabeth Shivers</a:t>
+            </a:r>
+          </a:p>
+        </p:txBody>
+      </p:sp>
+      <p:sp>
+        <p:nvSpPr>
+          <p:cNvPr id="5" name="Date Placeholder 5">
+            <a:extLst>
+              <a:ext uri="{FF2B5EF4-FFF2-40B4-BE49-F238E27FC236}">
+                <a16:creationId xmlns:a16="http://schemas.microsoft.com/office/drawing/2014/main" id="{F1109D1E-F667-0449-BEB2-529D4C2825E6}"/>
+              </a:ext>
+            </a:extLst>
+          </p:cNvPr>
           <p:cNvSpPr>
             <a:spLocks noGrp="1"/>
           </p:cNvSpPr>
@@ -5621,7 +4992,12 @@
             <p:ph type="dt" sz="half" idx="10"/>
           </p:nvPr>
         </p:nvSpPr>
-        <p:spPr/>
+        <p:spPr>
+          <a:xfrm>
+            <a:off x="285750" y="5811838"/>
+            <a:ext cx="2057400" cy="365125"/>
+          </a:xfrm>
+        </p:spPr>
         <p:txBody>
           <a:bodyPr/>
           <a:lstStyle/>
@@ -5629,52 +5005,6 @@
             <a:r>
               <a:rPr lang="en-US" dirty="0"/>
               <a:t>11/14/2020</a:t>
-            </a:r>
-          </a:p>
-        </p:txBody>
-      </p:sp>
-      <p:sp>
-        <p:nvSpPr>
-          <p:cNvPr id="5" name="Slide Number Placeholder 4"/>
-          <p:cNvSpPr>
-            <a:spLocks noGrp="1"/>
-          </p:cNvSpPr>
-          <p:nvPr>
-            <p:ph type="sldNum" sz="quarter" idx="12"/>
-          </p:nvPr>
-        </p:nvSpPr>
-        <p:spPr/>
-        <p:txBody>
-          <a:bodyPr/>
-          <a:lstStyle/>
-          <a:p>
-            <a:fld id="{079BB85F-8D7B-4121-93BF-56CC81854BC2}" type="slidenum">
-              <a:rPr lang="en-US" smtClean="0"/>
-              <a:pPr/>
-              <a:t>3</a:t>
-            </a:fld>
-            <a:endParaRPr lang="en-US" dirty="0"/>
-          </a:p>
-        </p:txBody>
-      </p:sp>
-      <p:sp>
-        <p:nvSpPr>
-          <p:cNvPr id="2" name="Title 1"/>
-          <p:cNvSpPr>
-            <a:spLocks noGrp="1"/>
-          </p:cNvSpPr>
-          <p:nvPr>
-            <p:ph type="title"/>
-          </p:nvPr>
-        </p:nvSpPr>
-        <p:spPr/>
-        <p:txBody>
-          <a:bodyPr/>
-          <a:lstStyle/>
-          <a:p>
-            <a:r>
-              <a:rPr lang="en-US" dirty="0"/>
-              <a:t>Agenda</a:t>
             </a:r>
           </a:p>
         </p:txBody>
@@ -5682,7 +5012,7 @@
     </p:spTree>
     <p:extLst>
       <p:ext uri="{BB962C8B-B14F-4D97-AF65-F5344CB8AC3E}">
-        <p14:creationId xmlns:p14="http://schemas.microsoft.com/office/powerpoint/2010/main" val="2959282076"/>
+        <p14:creationId xmlns:p14="http://schemas.microsoft.com/office/powerpoint/2010/main" val="4033145866"/>
       </p:ext>
     </p:extLst>
   </p:cSld>
@@ -5711,6 +5041,72 @@
       </p:grpSpPr>
       <p:sp>
         <p:nvSpPr>
+          <p:cNvPr id="3" name="Text Placeholder 2"/>
+          <p:cNvSpPr>
+            <a:spLocks noGrp="1"/>
+          </p:cNvSpPr>
+          <p:nvPr>
+            <p:ph idx="1"/>
+          </p:nvPr>
+        </p:nvSpPr>
+        <p:spPr/>
+        <p:txBody>
+          <a:bodyPr>
+            <a:normAutofit/>
+          </a:bodyPr>
+          <a:lstStyle/>
+          <a:p>
+            <a:r>
+              <a:rPr lang="en-US" dirty="0"/>
+              <a:t>NDJSON Update</a:t>
+            </a:r>
+          </a:p>
+          <a:p>
+            <a:r>
+              <a:rPr lang="en-US" dirty="0"/>
+              <a:t>DB Update</a:t>
+            </a:r>
+          </a:p>
+          <a:p>
+            <a:r>
+              <a:rPr lang="en-US" dirty="0"/>
+              <a:t>QA Update</a:t>
+            </a:r>
+          </a:p>
+          <a:p>
+            <a:r>
+              <a:rPr lang="en-US" dirty="0"/>
+              <a:t>Visualization Update</a:t>
+            </a:r>
+          </a:p>
+          <a:p>
+            <a:r>
+              <a:rPr lang="en-US" dirty="0"/>
+              <a:t>Project Demo</a:t>
+            </a:r>
+          </a:p>
+          <a:p>
+            <a:r>
+              <a:rPr lang="en-US" dirty="0"/>
+              <a:t>Project Plan Update</a:t>
+            </a:r>
+          </a:p>
+          <a:p>
+            <a:r>
+              <a:rPr lang="en-US" dirty="0"/>
+              <a:t>Plans for Upcoming Weeks</a:t>
+            </a:r>
+          </a:p>
+          <a:p>
+            <a:endParaRPr lang="en-US" dirty="0"/>
+          </a:p>
+          <a:p>
+            <a:endParaRPr lang="en-US" dirty="0"/>
+          </a:p>
+        </p:txBody>
+      </p:sp>
+      <p:sp>
+        <p:nvSpPr>
           <p:cNvPr id="6" name="Date Placeholder 5"/>
           <p:cNvSpPr>
             <a:spLocks noGrp="1"/>
@@ -5767,152 +5163,26 @@
         </p:nvSpPr>
         <p:spPr/>
         <p:txBody>
-          <a:bodyPr>
-            <a:normAutofit/>
-          </a:bodyPr>
-          <a:lstStyle/>
-          <a:p>
-            <a:r>
-              <a:rPr lang="en-US" dirty="0"/>
-              <a:t>NDJSON</a:t>
-            </a:r>
-          </a:p>
-        </p:txBody>
-      </p:sp>
-      <p:sp>
-        <p:nvSpPr>
-          <p:cNvPr id="8" name="Text Placeholder 2">
-            <a:extLst>
-              <a:ext uri="{FF2B5EF4-FFF2-40B4-BE49-F238E27FC236}">
-                <a16:creationId xmlns:a16="http://schemas.microsoft.com/office/drawing/2014/main" id="{F7D0033C-A53F-0C43-BFBC-D288919294CB}"/>
-              </a:ext>
-            </a:extLst>
-          </p:cNvPr>
-          <p:cNvSpPr>
-            <a:spLocks noGrp="1"/>
-          </p:cNvSpPr>
-          <p:nvPr>
-            <p:ph idx="1"/>
-          </p:nvPr>
-        </p:nvSpPr>
-        <p:spPr>
-          <a:xfrm>
-            <a:off x="285750" y="1215483"/>
-            <a:ext cx="8572500" cy="4596355"/>
-          </a:xfrm>
-        </p:spPr>
-        <p:txBody>
           <a:bodyPr/>
           <a:lstStyle/>
           <a:p>
             <a:r>
               <a:rPr lang="en-US" dirty="0"/>
-              <a:t>Improved efficiency by packaging all patients into bundle and handling with single POST</a:t>
-            </a:r>
-          </a:p>
-          <a:p>
-            <a:endParaRPr lang="en-US" dirty="0"/>
-          </a:p>
-          <a:p>
-            <a:pPr marL="0" indent="0">
-              <a:buNone/>
-            </a:pPr>
-            <a:endParaRPr lang="en-US" dirty="0"/>
+              <a:t>Agenda</a:t>
+            </a:r>
           </a:p>
         </p:txBody>
       </p:sp>
     </p:spTree>
     <p:extLst>
       <p:ext uri="{BB962C8B-B14F-4D97-AF65-F5344CB8AC3E}">
-        <p14:creationId xmlns:p14="http://schemas.microsoft.com/office/powerpoint/2010/main" val="1346866763"/>
+        <p14:creationId xmlns:p14="http://schemas.microsoft.com/office/powerpoint/2010/main" val="2959282076"/>
       </p:ext>
     </p:extLst>
   </p:cSld>
   <p:clrMapOvr>
     <a:masterClrMapping/>
   </p:clrMapOvr>
-  <p:timing>
-    <p:tnLst>
-      <p:par>
-        <p:cTn id="1" dur="indefinite" restart="never" nodeType="tmRoot">
-          <p:childTnLst>
-            <p:seq concurrent="1" nextAc="seek">
-              <p:cTn id="2" dur="indefinite" nodeType="mainSeq">
-                <p:childTnLst>
-                  <p:par>
-                    <p:cTn id="3" fill="hold">
-                      <p:stCondLst>
-                        <p:cond delay="indefinite"/>
-                      </p:stCondLst>
-                      <p:childTnLst>
-                        <p:par>
-                          <p:cTn id="4" fill="hold">
-                            <p:stCondLst>
-                              <p:cond delay="0"/>
-                            </p:stCondLst>
-                            <p:childTnLst>
-                              <p:par>
-                                <p:cTn id="5" presetID="1" presetClass="entr" presetSubtype="0" fill="hold" grpId="0" nodeType="clickEffect">
-                                  <p:stCondLst>
-                                    <p:cond delay="0"/>
-                                  </p:stCondLst>
-                                  <p:childTnLst>
-                                    <p:set>
-                                      <p:cBhvr>
-                                        <p:cTn id="6" dur="1" fill="hold">
-                                          <p:stCondLst>
-                                            <p:cond delay="0"/>
-                                          </p:stCondLst>
-                                        </p:cTn>
-                                        <p:tgtEl>
-                                          <p:spTgt spid="8">
-                                            <p:txEl>
-                                              <p:pRg st="0" end="0"/>
-                                            </p:txEl>
-                                          </p:spTgt>
-                                        </p:tgtEl>
-                                        <p:attrNameLst>
-                                          <p:attrName>style.visibility</p:attrName>
-                                        </p:attrNameLst>
-                                      </p:cBhvr>
-                                      <p:to>
-                                        <p:strVal val="visible"/>
-                                      </p:to>
-                                    </p:set>
-                                  </p:childTnLst>
-                                </p:cTn>
-                              </p:par>
-                            </p:childTnLst>
-                          </p:cTn>
-                        </p:par>
-                      </p:childTnLst>
-                    </p:cTn>
-                  </p:par>
-                </p:childTnLst>
-              </p:cTn>
-              <p:prevCondLst>
-                <p:cond evt="onPrev" delay="0">
-                  <p:tgtEl>
-                    <p:sldTgt/>
-                  </p:tgtEl>
-                </p:cond>
-              </p:prevCondLst>
-              <p:nextCondLst>
-                <p:cond evt="onNext" delay="0">
-                  <p:tgtEl>
-                    <p:sldTgt/>
-                  </p:tgtEl>
-                </p:cond>
-              </p:nextCondLst>
-            </p:seq>
-          </p:childTnLst>
-        </p:cTn>
-      </p:par>
-    </p:tnLst>
-    <p:bldLst>
-      <p:bldP spid="8" grpId="0" build="p"/>
-    </p:bldLst>
-  </p:timing>
 </p:sld>
 </file>
 
@@ -5998,7 +5268,7 @@
           <a:p>
             <a:r>
               <a:rPr lang="en-US" dirty="0"/>
-              <a:t>DB Creation</a:t>
+              <a:t>NDJSON</a:t>
             </a:r>
           </a:p>
         </p:txBody>
@@ -6031,7 +5301,7 @@
           <a:p>
             <a:r>
               <a:rPr lang="en-US" dirty="0"/>
-              <a:t>Stood up new tables from CDC as part of stretch goal</a:t>
+              <a:t>Improved efficiency by packaging all patients into bundle and handling with single POST</a:t>
             </a:r>
           </a:p>
           <a:p>
@@ -6048,7 +5318,7 @@
     </p:spTree>
     <p:extLst>
       <p:ext uri="{BB962C8B-B14F-4D97-AF65-F5344CB8AC3E}">
-        <p14:creationId xmlns:p14="http://schemas.microsoft.com/office/powerpoint/2010/main" val="2253719214"/>
+        <p14:creationId xmlns:p14="http://schemas.microsoft.com/office/powerpoint/2010/main" val="1346866763"/>
       </p:ext>
     </p:extLst>
   </p:cSld>
